--- a/Original/Files/慧与大数据/量化投资交易.pptx
+++ b/Original/Files/慧与大数据/量化投资交易.pptx
@@ -33,8 +33,15 @@
     <p:sldId id="594" r:id="rId26"/>
     <p:sldId id="595" r:id="rId27"/>
     <p:sldId id="596" r:id="rId28"/>
-    <p:sldId id="570" r:id="rId29"/>
-    <p:sldId id="343" r:id="rId30"/>
+    <p:sldId id="600" r:id="rId29"/>
+    <p:sldId id="570" r:id="rId30"/>
+    <p:sldId id="601" r:id="rId31"/>
+    <p:sldId id="602" r:id="rId32"/>
+    <p:sldId id="603" r:id="rId33"/>
+    <p:sldId id="604" r:id="rId34"/>
+    <p:sldId id="605" r:id="rId35"/>
+    <p:sldId id="606" r:id="rId36"/>
+    <p:sldId id="343" r:id="rId37"/>
   </p:sldIdLst>
   <p:sldSz cx="9144000" cy="6858000" type="screen4x3"/>
   <p:notesSz cx="6858000" cy="9144000"/>
@@ -1347,6 +1354,552 @@
 </file>
 
 <file path=ppt/notesSlides/notesSlide2.xml><?xml version="1.0" encoding="utf-8"?>
+<p:notes xmlns:a="http://schemas.openxmlformats.org/drawingml/2006/main" xmlns:r="http://schemas.openxmlformats.org/officeDocument/2006/relationships" xmlns:p="http://schemas.openxmlformats.org/presentationml/2006/main">
+  <p:cSld>
+    <p:spTree>
+      <p:nvGrpSpPr>
+        <p:cNvPr id="1" name=""/>
+        <p:cNvGrpSpPr/>
+        <p:nvPr/>
+      </p:nvGrpSpPr>
+      <p:grpSpPr>
+        <a:xfrm>
+          <a:off x="0" y="0"/>
+          <a:ext cx="0" cy="0"/>
+          <a:chOff x="0" y="0"/>
+          <a:chExt cx="0" cy="0"/>
+        </a:xfrm>
+      </p:grpSpPr>
+      <p:sp>
+        <p:nvSpPr>
+          <p:cNvPr id="2" name="幻灯片图像占位符 1"/>
+          <p:cNvSpPr>
+            <a:spLocks noGrp="1" noRot="1" noChangeAspect="1"/>
+          </p:cNvSpPr>
+          <p:nvPr>
+            <p:ph type="sldImg"/>
+          </p:nvPr>
+        </p:nvSpPr>
+        <p:spPr/>
+      </p:sp>
+      <p:sp>
+        <p:nvSpPr>
+          <p:cNvPr id="3" name="备注占位符 2"/>
+          <p:cNvSpPr>
+            <a:spLocks noGrp="1"/>
+          </p:cNvSpPr>
+          <p:nvPr>
+            <p:ph type="body" idx="1"/>
+          </p:nvPr>
+        </p:nvSpPr>
+        <p:spPr/>
+        <p:txBody>
+          <a:bodyPr/>
+          <a:lstStyle/>
+          <a:p>
+            <a:endParaRPr lang="zh-CN" altLang="en-US" dirty="0"/>
+          </a:p>
+        </p:txBody>
+      </p:sp>
+      <p:sp>
+        <p:nvSpPr>
+          <p:cNvPr id="4" name="灯片编号占位符 3"/>
+          <p:cNvSpPr>
+            <a:spLocks noGrp="1"/>
+          </p:cNvSpPr>
+          <p:nvPr>
+            <p:ph type="sldNum" sz="quarter" idx="10"/>
+          </p:nvPr>
+        </p:nvSpPr>
+        <p:spPr/>
+        <p:txBody>
+          <a:bodyPr/>
+          <a:lstStyle/>
+          <a:p>
+            <a:fld id="{A4F46DE7-085E-4FE3-8C0F-7528420E999F}" type="slidenum">
+              <a:rPr lang="en-US" smtClean="0"/>
+            </a:fld>
+            <a:endParaRPr lang="en-US"/>
+          </a:p>
+        </p:txBody>
+      </p:sp>
+    </p:spTree>
+  </p:cSld>
+  <p:clrMapOvr>
+    <a:masterClrMapping/>
+  </p:clrMapOvr>
+</p:notes>
+</file>
+
+<file path=ppt/notesSlides/notesSlide20.xml><?xml version="1.0" encoding="utf-8"?>
+<p:notes xmlns:a="http://schemas.openxmlformats.org/drawingml/2006/main" xmlns:r="http://schemas.openxmlformats.org/officeDocument/2006/relationships" xmlns:p="http://schemas.openxmlformats.org/presentationml/2006/main">
+  <p:cSld>
+    <p:spTree>
+      <p:nvGrpSpPr>
+        <p:cNvPr id="1" name=""/>
+        <p:cNvGrpSpPr/>
+        <p:nvPr/>
+      </p:nvGrpSpPr>
+      <p:grpSpPr>
+        <a:xfrm>
+          <a:off x="0" y="0"/>
+          <a:ext cx="0" cy="0"/>
+          <a:chOff x="0" y="0"/>
+          <a:chExt cx="0" cy="0"/>
+        </a:xfrm>
+      </p:grpSpPr>
+      <p:sp>
+        <p:nvSpPr>
+          <p:cNvPr id="2" name="幻灯片图像占位符 1"/>
+          <p:cNvSpPr>
+            <a:spLocks noGrp="1" noRot="1" noChangeAspect="1"/>
+          </p:cNvSpPr>
+          <p:nvPr>
+            <p:ph type="sldImg"/>
+          </p:nvPr>
+        </p:nvSpPr>
+        <p:spPr/>
+      </p:sp>
+      <p:sp>
+        <p:nvSpPr>
+          <p:cNvPr id="3" name="备注占位符 2"/>
+          <p:cNvSpPr>
+            <a:spLocks noGrp="1"/>
+          </p:cNvSpPr>
+          <p:nvPr>
+            <p:ph type="body" idx="1"/>
+          </p:nvPr>
+        </p:nvSpPr>
+        <p:spPr/>
+        <p:txBody>
+          <a:bodyPr/>
+          <a:lstStyle/>
+          <a:p>
+            <a:endParaRPr lang="zh-CN" altLang="en-US" dirty="0"/>
+          </a:p>
+        </p:txBody>
+      </p:sp>
+      <p:sp>
+        <p:nvSpPr>
+          <p:cNvPr id="4" name="灯片编号占位符 3"/>
+          <p:cNvSpPr>
+            <a:spLocks noGrp="1"/>
+          </p:cNvSpPr>
+          <p:nvPr>
+            <p:ph type="sldNum" sz="quarter" idx="10"/>
+          </p:nvPr>
+        </p:nvSpPr>
+        <p:spPr/>
+        <p:txBody>
+          <a:bodyPr/>
+          <a:lstStyle/>
+          <a:p>
+            <a:fld id="{A4F46DE7-085E-4FE3-8C0F-7528420E999F}" type="slidenum">
+              <a:rPr lang="en-US" smtClean="0"/>
+            </a:fld>
+            <a:endParaRPr lang="en-US"/>
+          </a:p>
+        </p:txBody>
+      </p:sp>
+    </p:spTree>
+  </p:cSld>
+  <p:clrMapOvr>
+    <a:masterClrMapping/>
+  </p:clrMapOvr>
+</p:notes>
+</file>
+
+<file path=ppt/notesSlides/notesSlide21.xml><?xml version="1.0" encoding="utf-8"?>
+<p:notes xmlns:a="http://schemas.openxmlformats.org/drawingml/2006/main" xmlns:r="http://schemas.openxmlformats.org/officeDocument/2006/relationships" xmlns:p="http://schemas.openxmlformats.org/presentationml/2006/main">
+  <p:cSld>
+    <p:spTree>
+      <p:nvGrpSpPr>
+        <p:cNvPr id="1" name=""/>
+        <p:cNvGrpSpPr/>
+        <p:nvPr/>
+      </p:nvGrpSpPr>
+      <p:grpSpPr>
+        <a:xfrm>
+          <a:off x="0" y="0"/>
+          <a:ext cx="0" cy="0"/>
+          <a:chOff x="0" y="0"/>
+          <a:chExt cx="0" cy="0"/>
+        </a:xfrm>
+      </p:grpSpPr>
+      <p:sp>
+        <p:nvSpPr>
+          <p:cNvPr id="2" name="幻灯片图像占位符 1"/>
+          <p:cNvSpPr>
+            <a:spLocks noGrp="1" noRot="1" noChangeAspect="1"/>
+          </p:cNvSpPr>
+          <p:nvPr>
+            <p:ph type="sldImg"/>
+          </p:nvPr>
+        </p:nvSpPr>
+        <p:spPr/>
+      </p:sp>
+      <p:sp>
+        <p:nvSpPr>
+          <p:cNvPr id="3" name="备注占位符 2"/>
+          <p:cNvSpPr>
+            <a:spLocks noGrp="1"/>
+          </p:cNvSpPr>
+          <p:nvPr>
+            <p:ph type="body" idx="1"/>
+          </p:nvPr>
+        </p:nvSpPr>
+        <p:spPr/>
+        <p:txBody>
+          <a:bodyPr/>
+          <a:lstStyle/>
+          <a:p>
+            <a:endParaRPr lang="zh-CN" altLang="en-US" dirty="0"/>
+          </a:p>
+        </p:txBody>
+      </p:sp>
+      <p:sp>
+        <p:nvSpPr>
+          <p:cNvPr id="4" name="灯片编号占位符 3"/>
+          <p:cNvSpPr>
+            <a:spLocks noGrp="1"/>
+          </p:cNvSpPr>
+          <p:nvPr>
+            <p:ph type="sldNum" sz="quarter" idx="10"/>
+          </p:nvPr>
+        </p:nvSpPr>
+        <p:spPr/>
+        <p:txBody>
+          <a:bodyPr/>
+          <a:lstStyle/>
+          <a:p>
+            <a:fld id="{A4F46DE7-085E-4FE3-8C0F-7528420E999F}" type="slidenum">
+              <a:rPr lang="en-US" smtClean="0"/>
+            </a:fld>
+            <a:endParaRPr lang="en-US"/>
+          </a:p>
+        </p:txBody>
+      </p:sp>
+    </p:spTree>
+  </p:cSld>
+  <p:clrMapOvr>
+    <a:masterClrMapping/>
+  </p:clrMapOvr>
+</p:notes>
+</file>
+
+<file path=ppt/notesSlides/notesSlide22.xml><?xml version="1.0" encoding="utf-8"?>
+<p:notes xmlns:a="http://schemas.openxmlformats.org/drawingml/2006/main" xmlns:r="http://schemas.openxmlformats.org/officeDocument/2006/relationships" xmlns:p="http://schemas.openxmlformats.org/presentationml/2006/main">
+  <p:cSld>
+    <p:spTree>
+      <p:nvGrpSpPr>
+        <p:cNvPr id="1" name=""/>
+        <p:cNvGrpSpPr/>
+        <p:nvPr/>
+      </p:nvGrpSpPr>
+      <p:grpSpPr>
+        <a:xfrm>
+          <a:off x="0" y="0"/>
+          <a:ext cx="0" cy="0"/>
+          <a:chOff x="0" y="0"/>
+          <a:chExt cx="0" cy="0"/>
+        </a:xfrm>
+      </p:grpSpPr>
+      <p:sp>
+        <p:nvSpPr>
+          <p:cNvPr id="2" name="幻灯片图像占位符 1"/>
+          <p:cNvSpPr>
+            <a:spLocks noGrp="1" noRot="1" noChangeAspect="1"/>
+          </p:cNvSpPr>
+          <p:nvPr>
+            <p:ph type="sldImg"/>
+          </p:nvPr>
+        </p:nvSpPr>
+        <p:spPr/>
+      </p:sp>
+      <p:sp>
+        <p:nvSpPr>
+          <p:cNvPr id="3" name="备注占位符 2"/>
+          <p:cNvSpPr>
+            <a:spLocks noGrp="1"/>
+          </p:cNvSpPr>
+          <p:nvPr>
+            <p:ph type="body" idx="1"/>
+          </p:nvPr>
+        </p:nvSpPr>
+        <p:spPr/>
+        <p:txBody>
+          <a:bodyPr/>
+          <a:lstStyle/>
+          <a:p>
+            <a:endParaRPr lang="zh-CN" altLang="en-US" dirty="0"/>
+          </a:p>
+        </p:txBody>
+      </p:sp>
+      <p:sp>
+        <p:nvSpPr>
+          <p:cNvPr id="4" name="灯片编号占位符 3"/>
+          <p:cNvSpPr>
+            <a:spLocks noGrp="1"/>
+          </p:cNvSpPr>
+          <p:nvPr>
+            <p:ph type="sldNum" sz="quarter" idx="10"/>
+          </p:nvPr>
+        </p:nvSpPr>
+        <p:spPr/>
+        <p:txBody>
+          <a:bodyPr/>
+          <a:lstStyle/>
+          <a:p>
+            <a:fld id="{A4F46DE7-085E-4FE3-8C0F-7528420E999F}" type="slidenum">
+              <a:rPr lang="en-US" smtClean="0"/>
+            </a:fld>
+            <a:endParaRPr lang="en-US"/>
+          </a:p>
+        </p:txBody>
+      </p:sp>
+    </p:spTree>
+  </p:cSld>
+  <p:clrMapOvr>
+    <a:masterClrMapping/>
+  </p:clrMapOvr>
+</p:notes>
+</file>
+
+<file path=ppt/notesSlides/notesSlide23.xml><?xml version="1.0" encoding="utf-8"?>
+<p:notes xmlns:a="http://schemas.openxmlformats.org/drawingml/2006/main" xmlns:r="http://schemas.openxmlformats.org/officeDocument/2006/relationships" xmlns:p="http://schemas.openxmlformats.org/presentationml/2006/main">
+  <p:cSld>
+    <p:spTree>
+      <p:nvGrpSpPr>
+        <p:cNvPr id="1" name=""/>
+        <p:cNvGrpSpPr/>
+        <p:nvPr/>
+      </p:nvGrpSpPr>
+      <p:grpSpPr>
+        <a:xfrm>
+          <a:off x="0" y="0"/>
+          <a:ext cx="0" cy="0"/>
+          <a:chOff x="0" y="0"/>
+          <a:chExt cx="0" cy="0"/>
+        </a:xfrm>
+      </p:grpSpPr>
+      <p:sp>
+        <p:nvSpPr>
+          <p:cNvPr id="2" name="幻灯片图像占位符 1"/>
+          <p:cNvSpPr>
+            <a:spLocks noGrp="1" noRot="1" noChangeAspect="1"/>
+          </p:cNvSpPr>
+          <p:nvPr>
+            <p:ph type="sldImg"/>
+          </p:nvPr>
+        </p:nvSpPr>
+        <p:spPr/>
+      </p:sp>
+      <p:sp>
+        <p:nvSpPr>
+          <p:cNvPr id="3" name="备注占位符 2"/>
+          <p:cNvSpPr>
+            <a:spLocks noGrp="1"/>
+          </p:cNvSpPr>
+          <p:nvPr>
+            <p:ph type="body" idx="1"/>
+          </p:nvPr>
+        </p:nvSpPr>
+        <p:spPr/>
+        <p:txBody>
+          <a:bodyPr/>
+          <a:lstStyle/>
+          <a:p>
+            <a:endParaRPr lang="zh-CN" altLang="en-US" dirty="0"/>
+          </a:p>
+        </p:txBody>
+      </p:sp>
+      <p:sp>
+        <p:nvSpPr>
+          <p:cNvPr id="4" name="灯片编号占位符 3"/>
+          <p:cNvSpPr>
+            <a:spLocks noGrp="1"/>
+          </p:cNvSpPr>
+          <p:nvPr>
+            <p:ph type="sldNum" sz="quarter" idx="10"/>
+          </p:nvPr>
+        </p:nvSpPr>
+        <p:spPr/>
+        <p:txBody>
+          <a:bodyPr/>
+          <a:lstStyle/>
+          <a:p>
+            <a:fld id="{A4F46DE7-085E-4FE3-8C0F-7528420E999F}" type="slidenum">
+              <a:rPr lang="en-US" smtClean="0"/>
+            </a:fld>
+            <a:endParaRPr lang="en-US"/>
+          </a:p>
+        </p:txBody>
+      </p:sp>
+    </p:spTree>
+  </p:cSld>
+  <p:clrMapOvr>
+    <a:masterClrMapping/>
+  </p:clrMapOvr>
+</p:notes>
+</file>
+
+<file path=ppt/notesSlides/notesSlide24.xml><?xml version="1.0" encoding="utf-8"?>
+<p:notes xmlns:a="http://schemas.openxmlformats.org/drawingml/2006/main" xmlns:r="http://schemas.openxmlformats.org/officeDocument/2006/relationships" xmlns:p="http://schemas.openxmlformats.org/presentationml/2006/main">
+  <p:cSld>
+    <p:spTree>
+      <p:nvGrpSpPr>
+        <p:cNvPr id="1" name=""/>
+        <p:cNvGrpSpPr/>
+        <p:nvPr/>
+      </p:nvGrpSpPr>
+      <p:grpSpPr>
+        <a:xfrm>
+          <a:off x="0" y="0"/>
+          <a:ext cx="0" cy="0"/>
+          <a:chOff x="0" y="0"/>
+          <a:chExt cx="0" cy="0"/>
+        </a:xfrm>
+      </p:grpSpPr>
+      <p:sp>
+        <p:nvSpPr>
+          <p:cNvPr id="2" name="幻灯片图像占位符 1"/>
+          <p:cNvSpPr>
+            <a:spLocks noGrp="1" noRot="1" noChangeAspect="1"/>
+          </p:cNvSpPr>
+          <p:nvPr>
+            <p:ph type="sldImg"/>
+          </p:nvPr>
+        </p:nvSpPr>
+        <p:spPr/>
+      </p:sp>
+      <p:sp>
+        <p:nvSpPr>
+          <p:cNvPr id="3" name="备注占位符 2"/>
+          <p:cNvSpPr>
+            <a:spLocks noGrp="1"/>
+          </p:cNvSpPr>
+          <p:nvPr>
+            <p:ph type="body" idx="1"/>
+          </p:nvPr>
+        </p:nvSpPr>
+        <p:spPr/>
+        <p:txBody>
+          <a:bodyPr/>
+          <a:lstStyle/>
+          <a:p>
+            <a:endParaRPr lang="zh-CN" altLang="en-US" dirty="0"/>
+          </a:p>
+        </p:txBody>
+      </p:sp>
+      <p:sp>
+        <p:nvSpPr>
+          <p:cNvPr id="4" name="灯片编号占位符 3"/>
+          <p:cNvSpPr>
+            <a:spLocks noGrp="1"/>
+          </p:cNvSpPr>
+          <p:nvPr>
+            <p:ph type="sldNum" sz="quarter" idx="10"/>
+          </p:nvPr>
+        </p:nvSpPr>
+        <p:spPr/>
+        <p:txBody>
+          <a:bodyPr/>
+          <a:lstStyle/>
+          <a:p>
+            <a:fld id="{A4F46DE7-085E-4FE3-8C0F-7528420E999F}" type="slidenum">
+              <a:rPr lang="en-US" smtClean="0"/>
+            </a:fld>
+            <a:endParaRPr lang="en-US"/>
+          </a:p>
+        </p:txBody>
+      </p:sp>
+    </p:spTree>
+  </p:cSld>
+  <p:clrMapOvr>
+    <a:masterClrMapping/>
+  </p:clrMapOvr>
+</p:notes>
+</file>
+
+<file path=ppt/notesSlides/notesSlide25.xml><?xml version="1.0" encoding="utf-8"?>
+<p:notes xmlns:a="http://schemas.openxmlformats.org/drawingml/2006/main" xmlns:r="http://schemas.openxmlformats.org/officeDocument/2006/relationships" xmlns:p="http://schemas.openxmlformats.org/presentationml/2006/main">
+  <p:cSld>
+    <p:spTree>
+      <p:nvGrpSpPr>
+        <p:cNvPr id="1" name=""/>
+        <p:cNvGrpSpPr/>
+        <p:nvPr/>
+      </p:nvGrpSpPr>
+      <p:grpSpPr>
+        <a:xfrm>
+          <a:off x="0" y="0"/>
+          <a:ext cx="0" cy="0"/>
+          <a:chOff x="0" y="0"/>
+          <a:chExt cx="0" cy="0"/>
+        </a:xfrm>
+      </p:grpSpPr>
+      <p:sp>
+        <p:nvSpPr>
+          <p:cNvPr id="2" name="幻灯片图像占位符 1"/>
+          <p:cNvSpPr>
+            <a:spLocks noGrp="1" noRot="1" noChangeAspect="1"/>
+          </p:cNvSpPr>
+          <p:nvPr>
+            <p:ph type="sldImg"/>
+          </p:nvPr>
+        </p:nvSpPr>
+        <p:spPr/>
+      </p:sp>
+      <p:sp>
+        <p:nvSpPr>
+          <p:cNvPr id="3" name="备注占位符 2"/>
+          <p:cNvSpPr>
+            <a:spLocks noGrp="1"/>
+          </p:cNvSpPr>
+          <p:nvPr>
+            <p:ph type="body" idx="1"/>
+          </p:nvPr>
+        </p:nvSpPr>
+        <p:spPr/>
+        <p:txBody>
+          <a:bodyPr/>
+          <a:lstStyle/>
+          <a:p>
+            <a:endParaRPr lang="zh-CN" altLang="en-US" dirty="0"/>
+          </a:p>
+        </p:txBody>
+      </p:sp>
+      <p:sp>
+        <p:nvSpPr>
+          <p:cNvPr id="4" name="灯片编号占位符 3"/>
+          <p:cNvSpPr>
+            <a:spLocks noGrp="1"/>
+          </p:cNvSpPr>
+          <p:nvPr>
+            <p:ph type="sldNum" sz="quarter" idx="10"/>
+          </p:nvPr>
+        </p:nvSpPr>
+        <p:spPr/>
+        <p:txBody>
+          <a:bodyPr/>
+          <a:lstStyle/>
+          <a:p>
+            <a:fld id="{A4F46DE7-085E-4FE3-8C0F-7528420E999F}" type="slidenum">
+              <a:rPr lang="en-US" smtClean="0"/>
+            </a:fld>
+            <a:endParaRPr lang="en-US"/>
+          </a:p>
+        </p:txBody>
+      </p:sp>
+    </p:spTree>
+  </p:cSld>
+  <p:clrMapOvr>
+    <a:masterClrMapping/>
+  </p:clrMapOvr>
+</p:notes>
+</file>
+
+<file path=ppt/notesSlides/notesSlide26.xml><?xml version="1.0" encoding="utf-8"?>
 <p:notes xmlns:a="http://schemas.openxmlformats.org/drawingml/2006/main" xmlns:r="http://schemas.openxmlformats.org/officeDocument/2006/relationships" xmlns:p="http://schemas.openxmlformats.org/presentationml/2006/main">
   <p:cSld>
     <p:spTree>
@@ -43126,7 +43679,7 @@
           <a:p>
             <a:r>
               <a:rPr lang="zh-CN" altLang="en-US"/>
-              <a:t>策略：胜率，夏普比率，年化收益等；</a:t>
+              <a:t>策略：胜率，夏普比率，年化收益，盈亏比等；</a:t>
             </a:r>
             <a:endParaRPr lang="zh-CN" altLang="en-US"/>
           </a:p>
@@ -43212,6 +43765,793 @@
           <a:lstStyle/>
           <a:p>
             <a:r>
+              <a:rPr lang="en-US" altLang="zh-CN" dirty="0" smtClean="0">
+                <a:sym typeface="+mn-ea"/>
+              </a:rPr>
+              <a:t>1.5  </a:t>
+            </a:r>
+            <a:r>
+              <a:rPr lang="zh-CN" altLang="en-US" dirty="0" smtClean="0">
+                <a:sym typeface="+mn-ea"/>
+              </a:rPr>
+              <a:t>小结</a:t>
+            </a:r>
+            <a:endParaRPr lang="zh-CN" altLang="en-US" dirty="0" smtClean="0">
+              <a:sym typeface="+mn-ea"/>
+            </a:endParaRPr>
+          </a:p>
+        </p:txBody>
+      </p:sp>
+      <p:sp>
+        <p:nvSpPr>
+          <p:cNvPr id="3" name="文本框 2"/>
+          <p:cNvSpPr txBox="1"/>
+          <p:nvPr/>
+        </p:nvSpPr>
+        <p:spPr>
+          <a:xfrm>
+            <a:off x="449580" y="1026160"/>
+            <a:ext cx="1203960" cy="368300"/>
+          </a:xfrm>
+          <a:prstGeom prst="rect">
+            <a:avLst/>
+          </a:prstGeom>
+          <a:noFill/>
+        </p:spPr>
+        <p:txBody>
+          <a:bodyPr wrap="square" rtlCol="0">
+            <a:spAutoFit/>
+          </a:bodyPr>
+          <a:p>
+            <a:r>
+              <a:rPr lang="zh-CN" altLang="en-US"/>
+              <a:t>盘口</a:t>
+            </a:r>
+            <a:endParaRPr lang="zh-CN" altLang="en-US"/>
+          </a:p>
+        </p:txBody>
+      </p:sp>
+      <p:sp>
+        <p:nvSpPr>
+          <p:cNvPr id="4" name="文本框 3"/>
+          <p:cNvSpPr txBox="1"/>
+          <p:nvPr/>
+        </p:nvSpPr>
+        <p:spPr>
+          <a:xfrm>
+            <a:off x="2449195" y="1026160"/>
+            <a:ext cx="1203960" cy="368300"/>
+          </a:xfrm>
+          <a:prstGeom prst="rect">
+            <a:avLst/>
+          </a:prstGeom>
+          <a:noFill/>
+        </p:spPr>
+        <p:txBody>
+          <a:bodyPr wrap="square" rtlCol="0">
+            <a:spAutoFit/>
+          </a:bodyPr>
+          <a:p>
+            <a:r>
+              <a:rPr lang="en-US" altLang="zh-CN"/>
+              <a:t>K</a:t>
+            </a:r>
+            <a:r>
+              <a:rPr lang="zh-CN" altLang="en-US"/>
+              <a:t>线</a:t>
+            </a:r>
+            <a:endParaRPr lang="zh-CN" altLang="en-US"/>
+          </a:p>
+        </p:txBody>
+      </p:sp>
+      <p:sp>
+        <p:nvSpPr>
+          <p:cNvPr id="6" name="文本框 5"/>
+          <p:cNvSpPr txBox="1"/>
+          <p:nvPr/>
+        </p:nvSpPr>
+        <p:spPr>
+          <a:xfrm>
+            <a:off x="4543425" y="1026160"/>
+            <a:ext cx="1203960" cy="368300"/>
+          </a:xfrm>
+          <a:prstGeom prst="rect">
+            <a:avLst/>
+          </a:prstGeom>
+          <a:noFill/>
+        </p:spPr>
+        <p:txBody>
+          <a:bodyPr wrap="square" rtlCol="0">
+            <a:spAutoFit/>
+          </a:bodyPr>
+          <a:p>
+            <a:r>
+              <a:rPr lang="en-US" altLang="zh-CN"/>
+              <a:t>K</a:t>
+            </a:r>
+            <a:r>
+              <a:rPr lang="zh-CN" altLang="en-US"/>
+              <a:t>线图</a:t>
+            </a:r>
+            <a:endParaRPr lang="zh-CN" altLang="en-US"/>
+          </a:p>
+        </p:txBody>
+      </p:sp>
+      <p:sp>
+        <p:nvSpPr>
+          <p:cNvPr id="7" name="文本框 6"/>
+          <p:cNvSpPr txBox="1"/>
+          <p:nvPr/>
+        </p:nvSpPr>
+        <p:spPr>
+          <a:xfrm>
+            <a:off x="7057390" y="1026160"/>
+            <a:ext cx="1203960" cy="368300"/>
+          </a:xfrm>
+          <a:prstGeom prst="rect">
+            <a:avLst/>
+          </a:prstGeom>
+          <a:noFill/>
+        </p:spPr>
+        <p:txBody>
+          <a:bodyPr wrap="square" rtlCol="0">
+            <a:spAutoFit/>
+          </a:bodyPr>
+          <a:p>
+            <a:r>
+              <a:rPr lang="zh-CN" altLang="en-US"/>
+              <a:t>交易市场</a:t>
+            </a:r>
+            <a:endParaRPr lang="zh-CN" altLang="en-US"/>
+          </a:p>
+        </p:txBody>
+      </p:sp>
+      <p:sp>
+        <p:nvSpPr>
+          <p:cNvPr id="9" name="文本框 8"/>
+          <p:cNvSpPr txBox="1"/>
+          <p:nvPr/>
+        </p:nvSpPr>
+        <p:spPr>
+          <a:xfrm>
+            <a:off x="2305685" y="3961765"/>
+            <a:ext cx="1203960" cy="368300"/>
+          </a:xfrm>
+          <a:prstGeom prst="rect">
+            <a:avLst/>
+          </a:prstGeom>
+          <a:noFill/>
+        </p:spPr>
+        <p:txBody>
+          <a:bodyPr wrap="square" rtlCol="0">
+            <a:spAutoFit/>
+          </a:bodyPr>
+          <a:p>
+            <a:r>
+              <a:rPr lang="zh-CN" altLang="en-US"/>
+              <a:t>市场分析</a:t>
+            </a:r>
+            <a:endParaRPr lang="zh-CN" altLang="en-US"/>
+          </a:p>
+        </p:txBody>
+      </p:sp>
+      <p:sp>
+        <p:nvSpPr>
+          <p:cNvPr id="10" name="文本框 9"/>
+          <p:cNvSpPr txBox="1"/>
+          <p:nvPr/>
+        </p:nvSpPr>
+        <p:spPr>
+          <a:xfrm>
+            <a:off x="5965190" y="3961765"/>
+            <a:ext cx="1203960" cy="368300"/>
+          </a:xfrm>
+          <a:prstGeom prst="rect">
+            <a:avLst/>
+          </a:prstGeom>
+          <a:noFill/>
+        </p:spPr>
+        <p:txBody>
+          <a:bodyPr wrap="square" rtlCol="0">
+            <a:spAutoFit/>
+          </a:bodyPr>
+          <a:p>
+            <a:r>
+              <a:rPr lang="zh-CN" altLang="en-US"/>
+              <a:t>量化策略</a:t>
+            </a:r>
+            <a:endParaRPr lang="zh-CN" altLang="en-US"/>
+          </a:p>
+        </p:txBody>
+      </p:sp>
+      <p:pic>
+        <p:nvPicPr>
+          <p:cNvPr id="49" name="图片 48"/>
+          <p:cNvPicPr>
+            <a:picLocks noChangeAspect="1"/>
+          </p:cNvPicPr>
+          <p:nvPr/>
+        </p:nvPicPr>
+        <p:blipFill>
+          <a:blip r:embed="rId1"/>
+          <a:stretch>
+            <a:fillRect/>
+          </a:stretch>
+        </p:blipFill>
+        <p:spPr>
+          <a:xfrm>
+            <a:off x="181610" y="1539875"/>
+            <a:ext cx="1866900" cy="2000885"/>
+          </a:xfrm>
+          <a:prstGeom prst="rect">
+            <a:avLst/>
+          </a:prstGeom>
+        </p:spPr>
+      </p:pic>
+      <p:pic>
+        <p:nvPicPr>
+          <p:cNvPr id="11" name="图片 10"/>
+          <p:cNvPicPr>
+            <a:picLocks noChangeAspect="1"/>
+          </p:cNvPicPr>
+          <p:nvPr/>
+        </p:nvPicPr>
+        <p:blipFill>
+          <a:blip r:embed="rId2"/>
+          <a:stretch>
+            <a:fillRect/>
+          </a:stretch>
+        </p:blipFill>
+        <p:spPr>
+          <a:xfrm>
+            <a:off x="2305685" y="1539875"/>
+            <a:ext cx="2094865" cy="1974215"/>
+          </a:xfrm>
+          <a:prstGeom prst="rect">
+            <a:avLst/>
+          </a:prstGeom>
+        </p:spPr>
+      </p:pic>
+      <p:pic>
+        <p:nvPicPr>
+          <p:cNvPr id="12" name="图片 11"/>
+          <p:cNvPicPr>
+            <a:picLocks noChangeAspect="1"/>
+          </p:cNvPicPr>
+          <p:nvPr/>
+        </p:nvPicPr>
+        <p:blipFill>
+          <a:blip r:embed="rId3"/>
+          <a:stretch>
+            <a:fillRect/>
+          </a:stretch>
+        </p:blipFill>
+        <p:spPr>
+          <a:xfrm>
+            <a:off x="4974590" y="1539875"/>
+            <a:ext cx="1687830" cy="1809750"/>
+          </a:xfrm>
+          <a:prstGeom prst="rect">
+            <a:avLst/>
+          </a:prstGeom>
+        </p:spPr>
+      </p:pic>
+      <p:sp>
+        <p:nvSpPr>
+          <p:cNvPr id="13" name="文本框 12"/>
+          <p:cNvSpPr txBox="1"/>
+          <p:nvPr/>
+        </p:nvSpPr>
+        <p:spPr>
+          <a:xfrm>
+            <a:off x="7057390" y="1618615"/>
+            <a:ext cx="2115820" cy="1322070"/>
+          </a:xfrm>
+          <a:prstGeom prst="rect">
+            <a:avLst/>
+          </a:prstGeom>
+          <a:noFill/>
+        </p:spPr>
+        <p:txBody>
+          <a:bodyPr wrap="square" rtlCol="0">
+            <a:spAutoFit/>
+          </a:bodyPr>
+          <a:p>
+            <a:r>
+              <a:rPr lang="zh-CN" altLang="en-US" sz="2000"/>
+              <a:t>股票市场，期货市场，期权市场，外汇市场，国债市场</a:t>
+            </a:r>
+            <a:endParaRPr lang="en-US" altLang="zh-CN" sz="2000"/>
+          </a:p>
+        </p:txBody>
+      </p:sp>
+      <p:pic>
+        <p:nvPicPr>
+          <p:cNvPr id="14" name="图片 13"/>
+          <p:cNvPicPr>
+            <a:picLocks noChangeAspect="1"/>
+          </p:cNvPicPr>
+          <p:nvPr/>
+        </p:nvPicPr>
+        <p:blipFill>
+          <a:blip r:embed="rId4"/>
+          <a:stretch>
+            <a:fillRect/>
+          </a:stretch>
+        </p:blipFill>
+        <p:spPr>
+          <a:xfrm>
+            <a:off x="1316990" y="4481195"/>
+            <a:ext cx="1768475" cy="1772920"/>
+          </a:xfrm>
+          <a:prstGeom prst="rect">
+            <a:avLst/>
+          </a:prstGeom>
+        </p:spPr>
+      </p:pic>
+      <p:pic>
+        <p:nvPicPr>
+          <p:cNvPr id="15" name="图片 14"/>
+          <p:cNvPicPr>
+            <a:picLocks noChangeAspect="1"/>
+          </p:cNvPicPr>
+          <p:nvPr/>
+        </p:nvPicPr>
+        <p:blipFill>
+          <a:blip r:embed="rId5"/>
+          <a:stretch>
+            <a:fillRect/>
+          </a:stretch>
+        </p:blipFill>
+        <p:spPr>
+          <a:xfrm>
+            <a:off x="3130550" y="4481195"/>
+            <a:ext cx="1651000" cy="1772285"/>
+          </a:xfrm>
+          <a:prstGeom prst="rect">
+            <a:avLst/>
+          </a:prstGeom>
+        </p:spPr>
+      </p:pic>
+      <p:pic>
+        <p:nvPicPr>
+          <p:cNvPr id="16" name="图片 15"/>
+          <p:cNvPicPr>
+            <a:picLocks noChangeAspect="1"/>
+          </p:cNvPicPr>
+          <p:nvPr/>
+        </p:nvPicPr>
+        <p:blipFill>
+          <a:blip r:embed="rId6"/>
+          <a:stretch>
+            <a:fillRect/>
+          </a:stretch>
+        </p:blipFill>
+        <p:spPr>
+          <a:xfrm>
+            <a:off x="5542915" y="4544060"/>
+            <a:ext cx="3359150" cy="1645920"/>
+          </a:xfrm>
+          <a:prstGeom prst="rect">
+            <a:avLst/>
+          </a:prstGeom>
+        </p:spPr>
+      </p:pic>
+      <p:cxnSp>
+        <p:nvCxnSpPr>
+          <p:cNvPr id="17" name="直接连接符 16"/>
+          <p:cNvCxnSpPr/>
+          <p:nvPr/>
+        </p:nvCxnSpPr>
+        <p:spPr>
+          <a:xfrm>
+            <a:off x="265430" y="3823970"/>
+            <a:ext cx="8608695" cy="0"/>
+          </a:xfrm>
+          <a:prstGeom prst="line">
+            <a:avLst/>
+          </a:prstGeom>
+          <a:noFill/>
+          <a:ln w="9525" cap="flat" cmpd="sng" algn="ctr">
+            <a:solidFill>
+              <a:srgbClr val="FF0000"/>
+            </a:solidFill>
+            <a:prstDash val="lgDashDotDot"/>
+            <a:round/>
+            <a:headEnd type="none" w="med" len="med"/>
+            <a:tailEnd type="none" w="med" len="med"/>
+          </a:ln>
+          <a:effectLst/>
+        </p:spPr>
+      </p:cxnSp>
+      <p:cxnSp>
+        <p:nvCxnSpPr>
+          <p:cNvPr id="18" name="直接连接符 17"/>
+          <p:cNvCxnSpPr/>
+          <p:nvPr/>
+        </p:nvCxnSpPr>
+        <p:spPr>
+          <a:xfrm>
+            <a:off x="2226945" y="1342390"/>
+            <a:ext cx="0" cy="2395220"/>
+          </a:xfrm>
+          <a:prstGeom prst="line">
+            <a:avLst/>
+          </a:prstGeom>
+          <a:noFill/>
+          <a:ln w="9525" cap="flat" cmpd="sng" algn="ctr">
+            <a:solidFill>
+              <a:srgbClr val="FF0000"/>
+            </a:solidFill>
+            <a:prstDash val="lgDash"/>
+            <a:round/>
+            <a:headEnd type="none" w="med" len="med"/>
+            <a:tailEnd type="none" w="med" len="med"/>
+          </a:ln>
+          <a:effectLst/>
+        </p:spPr>
+      </p:cxnSp>
+      <p:cxnSp>
+        <p:nvCxnSpPr>
+          <p:cNvPr id="19" name="直接连接符 18"/>
+          <p:cNvCxnSpPr/>
+          <p:nvPr/>
+        </p:nvCxnSpPr>
+        <p:spPr>
+          <a:xfrm>
+            <a:off x="4543425" y="1342390"/>
+            <a:ext cx="0" cy="2395220"/>
+          </a:xfrm>
+          <a:prstGeom prst="line">
+            <a:avLst/>
+          </a:prstGeom>
+          <a:noFill/>
+          <a:ln w="9525" cap="flat" cmpd="sng" algn="ctr">
+            <a:solidFill>
+              <a:srgbClr val="FF0000"/>
+            </a:solidFill>
+            <a:prstDash val="lgDash"/>
+            <a:round/>
+            <a:headEnd type="none" w="med" len="med"/>
+            <a:tailEnd type="none" w="med" len="med"/>
+          </a:ln>
+          <a:effectLst/>
+        </p:spPr>
+      </p:cxnSp>
+      <p:cxnSp>
+        <p:nvCxnSpPr>
+          <p:cNvPr id="20" name="直接连接符 19"/>
+          <p:cNvCxnSpPr/>
+          <p:nvPr/>
+        </p:nvCxnSpPr>
+        <p:spPr>
+          <a:xfrm>
+            <a:off x="6859905" y="1342390"/>
+            <a:ext cx="0" cy="2395220"/>
+          </a:xfrm>
+          <a:prstGeom prst="line">
+            <a:avLst/>
+          </a:prstGeom>
+          <a:noFill/>
+          <a:ln w="9525" cap="flat" cmpd="sng" algn="ctr">
+            <a:solidFill>
+              <a:srgbClr val="FF0000"/>
+            </a:solidFill>
+            <a:prstDash val="lgDash"/>
+            <a:round/>
+            <a:headEnd type="none" w="med" len="med"/>
+            <a:tailEnd type="none" w="med" len="med"/>
+          </a:ln>
+          <a:effectLst/>
+        </p:spPr>
+      </p:cxnSp>
+      <p:cxnSp>
+        <p:nvCxnSpPr>
+          <p:cNvPr id="21" name="直接连接符 20"/>
+          <p:cNvCxnSpPr/>
+          <p:nvPr/>
+        </p:nvCxnSpPr>
+        <p:spPr>
+          <a:xfrm>
+            <a:off x="5145405" y="3961765"/>
+            <a:ext cx="0" cy="2395220"/>
+          </a:xfrm>
+          <a:prstGeom prst="line">
+            <a:avLst/>
+          </a:prstGeom>
+          <a:noFill/>
+          <a:ln w="9525" cap="flat" cmpd="sng" algn="ctr">
+            <a:solidFill>
+              <a:srgbClr val="FF0000"/>
+            </a:solidFill>
+            <a:prstDash val="lgDash"/>
+            <a:round/>
+            <a:headEnd type="none" w="med" len="med"/>
+            <a:tailEnd type="none" w="med" len="med"/>
+          </a:ln>
+          <a:effectLst/>
+        </p:spPr>
+      </p:cxnSp>
+    </p:spTree>
+  </p:cSld>
+  <p:clrMapOvr>
+    <a:masterClrMapping/>
+  </p:clrMapOvr>
+  <mc:AlternateContent xmlns:mc="http://schemas.openxmlformats.org/markup-compatibility/2006">
+    <mc:Choice xmlns:p14="http://schemas.microsoft.com/office/powerpoint/2010/main" Requires="p14">
+      <p:transition spd="slow" p14:dur="2000"/>
+    </mc:Choice>
+    <mc:Fallback>
+      <p:transition spd="slow"/>
+    </mc:Fallback>
+  </mc:AlternateContent>
+  <p:timing>
+    <p:tnLst>
+      <p:par>
+        <p:cTn id="1" dur="indefinite" restart="never" nodeType="tmRoot"/>
+      </p:par>
+    </p:tnLst>
+  </p:timing>
+</p:sld>
+</file>
+
+<file path=ppt/slides/slide2.xml><?xml version="1.0" encoding="utf-8"?>
+<p:sld xmlns:a="http://schemas.openxmlformats.org/drawingml/2006/main" xmlns:r="http://schemas.openxmlformats.org/officeDocument/2006/relationships" xmlns:p="http://schemas.openxmlformats.org/presentationml/2006/main">
+  <p:cSld>
+    <p:spTree>
+      <p:nvGrpSpPr>
+        <p:cNvPr id="1" name=""/>
+        <p:cNvGrpSpPr/>
+        <p:nvPr/>
+      </p:nvGrpSpPr>
+      <p:grpSpPr>
+        <a:xfrm>
+          <a:off x="0" y="0"/>
+          <a:ext cx="0" cy="0"/>
+          <a:chOff x="0" y="0"/>
+          <a:chExt cx="0" cy="0"/>
+        </a:xfrm>
+      </p:grpSpPr>
+      <p:sp>
+        <p:nvSpPr>
+          <p:cNvPr id="2" name="标题 1"/>
+          <p:cNvSpPr>
+            <a:spLocks noGrp="1"/>
+          </p:cNvSpPr>
+          <p:nvPr>
+            <p:ph type="title" idx="4294967295"/>
+          </p:nvPr>
+        </p:nvSpPr>
+        <p:spPr>
+          <a:xfrm>
+            <a:off x="0" y="0"/>
+            <a:ext cx="8229600" cy="850900"/>
+          </a:xfrm>
+        </p:spPr>
+        <p:txBody>
+          <a:bodyPr vert="horz" wrap="square" lIns="91440" tIns="45720" rIns="91440" bIns="45720" numCol="1" rtlCol="0" anchor="ctr" anchorCtr="0" compatLnSpc="1">
+            <a:normAutofit/>
+          </a:bodyPr>
+          <a:lstStyle/>
+          <a:p>
+            <a:pPr algn="l"/>
+            <a:r>
+              <a:rPr lang="zh-CN" altLang="en-US" sz="2800" dirty="0">
+                <a:latin typeface="微软雅黑" panose="020B0503020204020204" pitchFamily="34" charset="-122"/>
+                <a:ea typeface="微软雅黑" panose="020B0503020204020204" pitchFamily="34" charset="-122"/>
+              </a:rPr>
+              <a:t>主要内容</a:t>
+            </a:r>
+            <a:endParaRPr lang="zh-CN" altLang="en-US" sz="2800" dirty="0">
+              <a:latin typeface="微软雅黑" panose="020B0503020204020204" pitchFamily="34" charset="-122"/>
+              <a:ea typeface="微软雅黑" panose="020B0503020204020204" pitchFamily="34" charset="-122"/>
+            </a:endParaRPr>
+          </a:p>
+        </p:txBody>
+      </p:sp>
+      <p:sp>
+        <p:nvSpPr>
+          <p:cNvPr id="3" name="内容占位符 2"/>
+          <p:cNvSpPr>
+            <a:spLocks noGrp="1"/>
+          </p:cNvSpPr>
+          <p:nvPr>
+            <p:ph idx="4294967295"/>
+          </p:nvPr>
+        </p:nvSpPr>
+        <p:spPr>
+          <a:xfrm>
+            <a:off x="1328420" y="1628775"/>
+            <a:ext cx="3376930" cy="2414270"/>
+          </a:xfrm>
+        </p:spPr>
+        <p:txBody>
+          <a:bodyPr>
+            <a:noAutofit/>
+          </a:bodyPr>
+          <a:lstStyle/>
+          <a:p>
+            <a:pPr marL="457200" lvl="1" indent="0">
+              <a:lnSpc>
+                <a:spcPct val="150000"/>
+              </a:lnSpc>
+              <a:buClrTx/>
+              <a:buNone/>
+            </a:pPr>
+            <a:r>
+              <a:rPr lang="en-US" altLang="zh-CN" dirty="0" smtClean="0">
+                <a:latin typeface="微软雅黑" panose="020B0503020204020204" pitchFamily="34" charset="-122"/>
+                <a:ea typeface="微软雅黑" panose="020B0503020204020204" pitchFamily="34" charset="-122"/>
+              </a:rPr>
+              <a:t>1. </a:t>
+            </a:r>
+            <a:r>
+              <a:rPr lang="zh-CN" altLang="en-US" dirty="0" smtClean="0">
+                <a:latin typeface="微软雅黑" panose="020B0503020204020204" pitchFamily="34" charset="-122"/>
+                <a:ea typeface="微软雅黑" panose="020B0503020204020204" pitchFamily="34" charset="-122"/>
+              </a:rPr>
+              <a:t>投资交易简介</a:t>
+            </a:r>
+            <a:endParaRPr lang="zh-CN" altLang="en-US" dirty="0" smtClean="0">
+              <a:latin typeface="微软雅黑" panose="020B0503020204020204" pitchFamily="34" charset="-122"/>
+              <a:ea typeface="微软雅黑" panose="020B0503020204020204" pitchFamily="34" charset="-122"/>
+            </a:endParaRPr>
+          </a:p>
+          <a:p>
+            <a:pPr marL="457200" lvl="1" indent="0">
+              <a:lnSpc>
+                <a:spcPct val="150000"/>
+              </a:lnSpc>
+              <a:buClrTx/>
+              <a:buNone/>
+            </a:pPr>
+            <a:r>
+              <a:rPr lang="en-US" altLang="zh-CN" dirty="0" smtClean="0">
+                <a:latin typeface="微软雅黑" panose="020B0503020204020204" pitchFamily="34" charset="-122"/>
+                <a:ea typeface="微软雅黑" panose="020B0503020204020204" pitchFamily="34" charset="-122"/>
+              </a:rPr>
+              <a:t>2. </a:t>
+            </a:r>
+            <a:r>
+              <a:rPr lang="zh-CN" altLang="en-US" dirty="0" smtClean="0">
+                <a:latin typeface="微软雅黑" panose="020B0503020204020204" pitchFamily="34" charset="-122"/>
+                <a:ea typeface="微软雅黑" panose="020B0503020204020204" pitchFamily="34" charset="-122"/>
+              </a:rPr>
+              <a:t>交易数据</a:t>
+            </a:r>
+            <a:endParaRPr lang="zh-CN" altLang="en-US" dirty="0" smtClean="0">
+              <a:latin typeface="微软雅黑" panose="020B0503020204020204" pitchFamily="34" charset="-122"/>
+              <a:ea typeface="微软雅黑" panose="020B0503020204020204" pitchFamily="34" charset="-122"/>
+            </a:endParaRPr>
+          </a:p>
+          <a:p>
+            <a:pPr marL="457200" lvl="1" indent="0">
+              <a:lnSpc>
+                <a:spcPct val="150000"/>
+              </a:lnSpc>
+              <a:buClrTx/>
+              <a:buNone/>
+            </a:pPr>
+            <a:r>
+              <a:rPr lang="en-US" altLang="zh-CN" dirty="0" smtClean="0">
+                <a:latin typeface="微软雅黑" panose="020B0503020204020204" pitchFamily="34" charset="-122"/>
+                <a:ea typeface="微软雅黑" panose="020B0503020204020204" pitchFamily="34" charset="-122"/>
+              </a:rPr>
+              <a:t>3. AI</a:t>
+            </a:r>
+            <a:r>
+              <a:rPr lang="zh-CN" altLang="en-US" dirty="0" smtClean="0">
+                <a:latin typeface="微软雅黑" panose="020B0503020204020204" pitchFamily="34" charset="-122"/>
+                <a:ea typeface="微软雅黑" panose="020B0503020204020204" pitchFamily="34" charset="-122"/>
+              </a:rPr>
+              <a:t>量化交易</a:t>
+            </a:r>
+            <a:endParaRPr lang="en-US" altLang="zh-CN" dirty="0">
+              <a:latin typeface="微软雅黑" panose="020B0503020204020204" pitchFamily="34" charset="-122"/>
+              <a:ea typeface="微软雅黑" panose="020B0503020204020204" pitchFamily="34" charset="-122"/>
+            </a:endParaRPr>
+          </a:p>
+        </p:txBody>
+      </p:sp>
+      <p:pic>
+        <p:nvPicPr>
+          <p:cNvPr id="4" name="图片 3"/>
+          <p:cNvPicPr>
+            <a:picLocks noChangeAspect="1"/>
+          </p:cNvPicPr>
+          <p:nvPr/>
+        </p:nvPicPr>
+        <p:blipFill>
+          <a:blip r:embed="rId1">
+            <a:extLst>
+              <a:ext uri="{28A0092B-C50C-407E-A947-70E740481C1C}">
+                <a14:useLocalDpi xmlns:a14="http://schemas.microsoft.com/office/drawing/2010/main" val="0"/>
+              </a:ext>
+            </a:extLst>
+          </a:blip>
+          <a:stretch>
+            <a:fillRect/>
+          </a:stretch>
+        </p:blipFill>
+        <p:spPr>
+          <a:xfrm>
+            <a:off x="5834693" y="996315"/>
+            <a:ext cx="3106109" cy="2329582"/>
+          </a:xfrm>
+          <a:prstGeom prst="roundRect">
+            <a:avLst>
+              <a:gd name="adj" fmla="val 8594"/>
+            </a:avLst>
+          </a:prstGeom>
+          <a:solidFill>
+            <a:srgbClr val="FFFFFF">
+              <a:shade val="85000"/>
+            </a:srgbClr>
+          </a:solidFill>
+          <a:ln>
+            <a:noFill/>
+          </a:ln>
+          <a:effectLst>
+            <a:reflection blurRad="12700" stA="38000" endPos="28000" dist="5000" dir="5400000" sy="-100000" algn="bl" rotWithShape="0"/>
+          </a:effectLst>
+        </p:spPr>
+      </p:pic>
+    </p:spTree>
+  </p:cSld>
+  <p:clrMapOvr>
+    <a:masterClrMapping/>
+  </p:clrMapOvr>
+  <mc:AlternateContent xmlns:mc="http://schemas.openxmlformats.org/markup-compatibility/2006">
+    <mc:Choice xmlns:p14="http://schemas.microsoft.com/office/powerpoint/2010/main" Requires="p14">
+      <p:transition spd="slow" p14:dur="2000"/>
+    </mc:Choice>
+    <mc:Fallback>
+      <p:transition spd="slow"/>
+    </mc:Fallback>
+  </mc:AlternateContent>
+  <p:timing>
+    <p:tnLst>
+      <p:par>
+        <p:cTn id="1" dur="indefinite" restart="never" nodeType="tmRoot"/>
+      </p:par>
+    </p:tnLst>
+  </p:timing>
+</p:sld>
+</file>
+
+<file path=ppt/slides/slide20.xml><?xml version="1.0" encoding="utf-8"?>
+<p:sld xmlns:a="http://schemas.openxmlformats.org/drawingml/2006/main" xmlns:r="http://schemas.openxmlformats.org/officeDocument/2006/relationships" xmlns:p="http://schemas.openxmlformats.org/presentationml/2006/main">
+  <p:cSld>
+    <p:spTree>
+      <p:nvGrpSpPr>
+        <p:cNvPr id="1" name=""/>
+        <p:cNvGrpSpPr/>
+        <p:nvPr/>
+      </p:nvGrpSpPr>
+      <p:grpSpPr>
+        <a:xfrm>
+          <a:off x="0" y="0"/>
+          <a:ext cx="0" cy="0"/>
+          <a:chOff x="0" y="0"/>
+          <a:chExt cx="0" cy="0"/>
+        </a:xfrm>
+      </p:grpSpPr>
+      <p:sp>
+        <p:nvSpPr>
+          <p:cNvPr id="2" name="标题 1"/>
+          <p:cNvSpPr>
+            <a:spLocks noGrp="1"/>
+          </p:cNvSpPr>
+          <p:nvPr>
+            <p:ph type="title"/>
+          </p:nvPr>
+        </p:nvSpPr>
+        <p:spPr/>
+        <p:txBody>
+          <a:bodyPr/>
+          <a:lstStyle/>
+          <a:p>
+            <a:r>
               <a:rPr lang="en-US" altLang="zh-CN" dirty="0" smtClean="0"/>
               <a:t>2  </a:t>
             </a:r>
@@ -43259,14 +44599,6 @@
               <a:rPr lang="en-US" altLang="zh-CN" sz="2000"/>
               <a:t>	</a:t>
             </a:r>
-            <a:r>
-              <a:rPr lang="zh-CN" altLang="en-US" sz="2000"/>
-              <a:t>安装：</a:t>
-            </a:r>
-            <a:r>
-              <a:rPr lang="en-US" altLang="zh-CN" sz="2000"/>
-              <a:t>pip install tushare</a:t>
-            </a:r>
             <a:endParaRPr lang="en-US" altLang="zh-CN" sz="2000"/>
           </a:p>
         </p:txBody>
@@ -43294,7 +44626,19 @@
           <a:p>
             <a:r>
               <a:rPr lang="zh-CN" altLang="en-US" sz="2000"/>
-              <a:t>数据可视化</a:t>
+              <a:t>数据</a:t>
+            </a:r>
+            <a:r>
+              <a:rPr lang="en-US" altLang="zh-CN" sz="2000"/>
+              <a:t>K</a:t>
+            </a:r>
+            <a:r>
+              <a:rPr lang="zh-CN" altLang="en-US" sz="2000"/>
+              <a:t>线</a:t>
+            </a:r>
+            <a:r>
+              <a:rPr lang="zh-CN" altLang="en-US" sz="2000"/>
+              <a:t>可视化</a:t>
             </a:r>
             <a:r>
               <a:rPr lang="en-US" altLang="zh-CN" sz="2000"/>
@@ -43375,7 +44719,7 @@
 </p:sld>
 </file>
 
-<file path=ppt/slides/slide2.xml><?xml version="1.0" encoding="utf-8"?>
+<file path=ppt/slides/slide21.xml><?xml version="1.0" encoding="utf-8"?>
 <p:sld xmlns:a="http://schemas.openxmlformats.org/drawingml/2006/main" xmlns:r="http://schemas.openxmlformats.org/officeDocument/2006/relationships" xmlns:p="http://schemas.openxmlformats.org/presentationml/2006/main">
   <p:cSld>
     <p:spTree>
@@ -43399,140 +44743,765 @@
             <a:spLocks noGrp="1"/>
           </p:cNvSpPr>
           <p:nvPr>
-            <p:ph type="title" idx="4294967295"/>
+            <p:ph type="title"/>
           </p:nvPr>
         </p:nvSpPr>
-        <p:spPr>
-          <a:xfrm>
-            <a:off x="0" y="0"/>
-            <a:ext cx="8229600" cy="850900"/>
-          </a:xfrm>
-        </p:spPr>
+        <p:spPr/>
         <p:txBody>
-          <a:bodyPr vert="horz" wrap="square" lIns="91440" tIns="45720" rIns="91440" bIns="45720" numCol="1" rtlCol="0" anchor="ctr" anchorCtr="0" compatLnSpc="1">
-            <a:normAutofit/>
-          </a:bodyPr>
+          <a:bodyPr/>
           <a:lstStyle/>
           <a:p>
-            <a:pPr algn="l"/>
-            <a:r>
-              <a:rPr lang="zh-CN" altLang="en-US" sz="2800" dirty="0">
-                <a:latin typeface="微软雅黑" panose="020B0503020204020204" pitchFamily="34" charset="-122"/>
-                <a:ea typeface="微软雅黑" panose="020B0503020204020204" pitchFamily="34" charset="-122"/>
-              </a:rPr>
-              <a:t>主要内容</a:t>
-            </a:r>
-            <a:endParaRPr lang="zh-CN" altLang="en-US" sz="2800" dirty="0">
-              <a:latin typeface="微软雅黑" panose="020B0503020204020204" pitchFamily="34" charset="-122"/>
-              <a:ea typeface="微软雅黑" panose="020B0503020204020204" pitchFamily="34" charset="-122"/>
-            </a:endParaRPr>
+            <a:r>
+              <a:rPr lang="en-US" altLang="zh-CN" dirty="0" smtClean="0"/>
+              <a:t>2.1  </a:t>
+            </a:r>
+            <a:r>
+              <a:rPr lang="zh-CN" altLang="en-US" dirty="0" smtClean="0"/>
+              <a:t>数据获取</a:t>
+            </a:r>
+            <a:r>
+              <a:rPr lang="en-US" altLang="zh-CN" dirty="0" smtClean="0"/>
+              <a:t>tushare</a:t>
+            </a:r>
+            <a:endParaRPr lang="en-US" altLang="zh-CN" dirty="0" smtClean="0"/>
           </a:p>
         </p:txBody>
       </p:sp>
       <p:sp>
         <p:nvSpPr>
-          <p:cNvPr id="3" name="内容占位符 2"/>
+          <p:cNvPr id="5" name="文本框 4"/>
+          <p:cNvSpPr txBox="1"/>
+          <p:nvPr/>
+        </p:nvSpPr>
+        <p:spPr>
+          <a:xfrm>
+            <a:off x="288925" y="1012825"/>
+            <a:ext cx="3879850" cy="706755"/>
+          </a:xfrm>
+          <a:prstGeom prst="rect">
+            <a:avLst/>
+          </a:prstGeom>
+          <a:noFill/>
+        </p:spPr>
+        <p:txBody>
+          <a:bodyPr wrap="square" rtlCol="0" anchor="t">
+            <a:spAutoFit/>
+          </a:bodyPr>
+          <a:p>
+            <a:pPr algn="l"/>
+            <a:r>
+              <a:rPr lang="zh-CN" altLang="en-US" sz="2000">
+                <a:sym typeface="+mn-ea"/>
+              </a:rPr>
+              <a:t>官网：http://tushare.org/</a:t>
+            </a:r>
+            <a:endParaRPr lang="zh-CN" altLang="en-US" sz="2000">
+              <a:sym typeface="+mn-ea"/>
+            </a:endParaRPr>
+          </a:p>
+          <a:p>
+            <a:pPr algn="l"/>
+            <a:r>
+              <a:rPr lang="zh-CN" altLang="en-US" sz="2000">
+                <a:sym typeface="+mn-ea"/>
+              </a:rPr>
+              <a:t>安装：</a:t>
+            </a:r>
+            <a:r>
+              <a:rPr lang="en-US" altLang="zh-CN" sz="2000">
+                <a:sym typeface="+mn-ea"/>
+              </a:rPr>
+              <a:t>pip install tushare</a:t>
+            </a:r>
+            <a:endParaRPr lang="zh-CN" altLang="en-US" sz="2000"/>
+          </a:p>
+        </p:txBody>
+      </p:sp>
+      <p:sp>
+        <p:nvSpPr>
+          <p:cNvPr id="8" name="文本框 7"/>
+          <p:cNvSpPr txBox="1"/>
+          <p:nvPr/>
+        </p:nvSpPr>
+        <p:spPr>
+          <a:xfrm>
+            <a:off x="374015" y="1667510"/>
+            <a:ext cx="8525510" cy="953135"/>
+          </a:xfrm>
+          <a:prstGeom prst="rect">
+            <a:avLst/>
+          </a:prstGeom>
+          <a:noFill/>
+        </p:spPr>
+        <p:txBody>
+          <a:bodyPr wrap="square" rtlCol="0">
+            <a:spAutoFit/>
+          </a:bodyPr>
+          <a:p>
+            <a:r>
+              <a:rPr lang="en-US" altLang="zh-CN" sz="2800" b="1"/>
+              <a:t>import tushare as ts</a:t>
+            </a:r>
+            <a:endParaRPr lang="en-US" altLang="zh-CN" sz="2800" b="1"/>
+          </a:p>
+          <a:p>
+            <a:r>
+              <a:rPr lang="en-US" altLang="zh-CN" sz="2800" b="1"/>
+              <a:t>ts.get_k_data(code,ktype,autype,index,start,end)</a:t>
+            </a:r>
+            <a:endParaRPr lang="en-US" altLang="zh-CN" sz="2000" b="1"/>
+          </a:p>
+        </p:txBody>
+      </p:sp>
+      <p:sp>
+        <p:nvSpPr>
+          <p:cNvPr id="9" name="文本框 8"/>
+          <p:cNvSpPr txBox="1"/>
+          <p:nvPr/>
+        </p:nvSpPr>
+        <p:spPr>
+          <a:xfrm>
+            <a:off x="432435" y="2647315"/>
+            <a:ext cx="8722995" cy="3476625"/>
+          </a:xfrm>
+          <a:prstGeom prst="rect">
+            <a:avLst/>
+          </a:prstGeom>
+          <a:noFill/>
+        </p:spPr>
+        <p:txBody>
+          <a:bodyPr wrap="square" rtlCol="0">
+            <a:spAutoFit/>
+          </a:bodyPr>
+          <a:p>
+            <a:pPr marL="342900" indent="-342900">
+              <a:buFont typeface="Wingdings" panose="05000000000000000000" charset="0"/>
+              <a:buChar char=""/>
+            </a:pPr>
+            <a:r>
+              <a:rPr lang="en-US" altLang="zh-CN" sz="2000"/>
+              <a:t>code</a:t>
+            </a:r>
+            <a:r>
+              <a:rPr lang="zh-CN" altLang="en-US" sz="2000"/>
+              <a:t>：</a:t>
+            </a:r>
+            <a:r>
+              <a:rPr lang="zh-CN" altLang="en-US" sz="2000"/>
+              <a:t>证券代码（支持沪深</a:t>
+            </a:r>
+            <a:r>
+              <a:rPr lang="en-US" altLang="zh-CN" sz="2000"/>
+              <a:t>A</a:t>
+            </a:r>
+            <a:r>
+              <a:rPr lang="zh-CN" altLang="en-US" sz="2000"/>
+              <a:t>、</a:t>
+            </a:r>
+            <a:r>
+              <a:rPr lang="en-US" altLang="zh-CN" sz="2000"/>
+              <a:t>B</a:t>
+            </a:r>
+            <a:r>
+              <a:rPr lang="zh-CN" altLang="en-US" sz="2000"/>
+              <a:t>股，支持全部指数，支持</a:t>
+            </a:r>
+            <a:r>
+              <a:rPr lang="en-US" altLang="zh-CN" sz="2000"/>
+              <a:t>ETF</a:t>
+            </a:r>
+            <a:r>
+              <a:rPr lang="zh-CN" altLang="en-US" sz="2000"/>
+              <a:t>基金）；</a:t>
+            </a:r>
+            <a:endParaRPr lang="zh-CN" altLang="en-US" sz="2000"/>
+          </a:p>
+          <a:p>
+            <a:pPr marL="342900" indent="-342900">
+              <a:buFont typeface="Wingdings" panose="05000000000000000000" charset="0"/>
+              <a:buChar char=""/>
+            </a:pPr>
+            <a:r>
+              <a:rPr lang="en-US" altLang="zh-CN" sz="2000"/>
+              <a:t>ktype</a:t>
+            </a:r>
+            <a:r>
+              <a:rPr lang="zh-CN" altLang="en-US" sz="2000"/>
+              <a:t>：数据类型（默认为</a:t>
+            </a:r>
+            <a:r>
+              <a:rPr lang="en-US" altLang="zh-CN" sz="2000"/>
+              <a:t>D</a:t>
+            </a:r>
+            <a:r>
+              <a:rPr lang="zh-CN" altLang="en-US" sz="2000"/>
+              <a:t>日线数据，其中</a:t>
+            </a:r>
+            <a:r>
+              <a:rPr lang="en-US" altLang="zh-CN" sz="2000"/>
+              <a:t>D:</a:t>
+            </a:r>
+            <a:r>
+              <a:rPr lang="zh-CN" altLang="en-US" sz="2000"/>
+              <a:t>日，</a:t>
+            </a:r>
+            <a:r>
+              <a:rPr lang="en-US" altLang="zh-CN" sz="2000"/>
+              <a:t>W:</a:t>
+            </a:r>
+            <a:r>
+              <a:rPr lang="zh-CN" altLang="en-US" sz="2000"/>
+              <a:t>周，</a:t>
+            </a:r>
+            <a:r>
+              <a:rPr lang="en-US" altLang="zh-CN" sz="2000"/>
+              <a:t>M:</a:t>
+            </a:r>
+            <a:r>
+              <a:rPr lang="zh-CN" altLang="en-US" sz="2000"/>
+              <a:t>月，</a:t>
+            </a:r>
+            <a:endParaRPr lang="zh-CN" altLang="en-US" sz="2000"/>
+          </a:p>
+          <a:p>
+            <a:pPr lvl="2" indent="0">
+              <a:buFont typeface="Wingdings" panose="05000000000000000000" charset="0"/>
+              <a:buNone/>
+            </a:pPr>
+            <a:r>
+              <a:rPr lang="en-US" altLang="zh-CN" sz="2000"/>
+              <a:t>5:5</a:t>
+            </a:r>
+            <a:r>
+              <a:rPr lang="zh-CN" altLang="en-US" sz="2000"/>
+              <a:t>分钟，</a:t>
+            </a:r>
+            <a:r>
+              <a:rPr lang="en-US" altLang="zh-CN" sz="2000"/>
+              <a:t>15:15</a:t>
+            </a:r>
+            <a:r>
+              <a:rPr lang="zh-CN" altLang="en-US" sz="2000"/>
+              <a:t>分钟，</a:t>
+            </a:r>
+            <a:r>
+              <a:rPr lang="en-US" altLang="zh-CN" sz="2000"/>
+              <a:t>30:30</a:t>
+            </a:r>
+            <a:r>
+              <a:rPr lang="zh-CN" altLang="en-US" sz="2000"/>
+              <a:t>分钟，</a:t>
+            </a:r>
+            <a:r>
+              <a:rPr lang="en-US" altLang="zh-CN" sz="2000"/>
+              <a:t>60:60</a:t>
+            </a:r>
+            <a:r>
+              <a:rPr lang="zh-CN" altLang="en-US" sz="2000"/>
+              <a:t>分钟）</a:t>
+            </a:r>
+            <a:r>
+              <a:rPr lang="en-US" altLang="zh-CN" sz="2000"/>
+              <a:t>;</a:t>
+            </a:r>
+            <a:endParaRPr lang="en-US" altLang="zh-CN" sz="2000"/>
+          </a:p>
+          <a:p>
+            <a:pPr marL="342900" lvl="0" indent="-342900">
+              <a:buFont typeface="Wingdings" panose="05000000000000000000" charset="0"/>
+              <a:buChar char=""/>
+            </a:pPr>
+            <a:r>
+              <a:rPr lang="en-US" altLang="zh-CN" sz="2000"/>
+              <a:t>autype</a:t>
+            </a:r>
+            <a:r>
+              <a:rPr lang="zh-CN" altLang="en-US" sz="2000"/>
+              <a:t>：</a:t>
+            </a:r>
+            <a:r>
+              <a:rPr lang="zh-CN" altLang="en-US" sz="2000"/>
+              <a:t>复权类型（</a:t>
+            </a:r>
+            <a:r>
+              <a:rPr lang="en-US" altLang="zh-CN" sz="2000"/>
+              <a:t>qfq:</a:t>
+            </a:r>
+            <a:r>
+              <a:rPr lang="zh-CN" altLang="en-US" sz="2000"/>
+              <a:t>前复权</a:t>
+            </a:r>
+            <a:r>
+              <a:rPr lang="en-US" altLang="zh-CN" sz="2000"/>
+              <a:t>,hfq:</a:t>
+            </a:r>
+            <a:r>
+              <a:rPr lang="zh-CN" altLang="en-US" sz="2000"/>
+              <a:t>后复权</a:t>
+            </a:r>
+            <a:r>
+              <a:rPr lang="en-US" altLang="zh-CN" sz="2000"/>
+              <a:t>,None:</a:t>
+            </a:r>
+            <a:r>
+              <a:rPr lang="zh-CN" altLang="en-US" sz="2000"/>
+              <a:t>不复权</a:t>
+            </a:r>
+            <a:r>
+              <a:rPr lang="en-US" altLang="zh-CN" sz="2000"/>
+              <a:t>,</a:t>
+            </a:r>
+            <a:r>
+              <a:rPr lang="zh-CN" altLang="en-US" sz="2000"/>
+              <a:t>默认为</a:t>
+            </a:r>
+            <a:r>
+              <a:rPr lang="en-US" altLang="zh-CN" sz="2000"/>
+              <a:t>qfq</a:t>
+            </a:r>
+            <a:r>
+              <a:rPr lang="zh-CN" altLang="en-US" sz="2000"/>
+              <a:t>）</a:t>
+            </a:r>
+            <a:r>
+              <a:rPr lang="en-US" altLang="zh-CN" sz="2000"/>
+              <a:t>;</a:t>
+            </a:r>
+            <a:endParaRPr lang="en-US" altLang="zh-CN" sz="2000"/>
+          </a:p>
+          <a:p>
+            <a:pPr marL="342900" lvl="0" indent="-342900">
+              <a:buFont typeface="Wingdings" panose="05000000000000000000" charset="0"/>
+              <a:buChar char=""/>
+            </a:pPr>
+            <a:r>
+              <a:rPr lang="en-US" altLang="zh-CN" sz="2000"/>
+              <a:t>index</a:t>
+            </a:r>
+            <a:r>
+              <a:rPr lang="zh-CN" altLang="en-US" sz="2000"/>
+              <a:t>：</a:t>
+            </a:r>
+            <a:r>
+              <a:rPr lang="zh-CN" altLang="en-US" sz="2000"/>
+              <a:t>是否为指数（默认为</a:t>
+            </a:r>
+            <a:r>
+              <a:rPr lang="en-US" altLang="zh-CN" sz="2000"/>
+              <a:t>False</a:t>
+            </a:r>
+            <a:r>
+              <a:rPr lang="zh-CN" altLang="en-US" sz="2000"/>
+              <a:t>，设定为</a:t>
+            </a:r>
+            <a:r>
+              <a:rPr lang="en-US" altLang="zh-CN" sz="2000"/>
+              <a:t>True</a:t>
+            </a:r>
+            <a:r>
+              <a:rPr lang="zh-CN" altLang="en-US" sz="2000"/>
+              <a:t>时，认为</a:t>
+            </a:r>
+            <a:r>
+              <a:rPr lang="en-US" altLang="zh-CN" sz="2000"/>
+              <a:t>code</a:t>
+            </a:r>
+            <a:r>
+              <a:rPr lang="zh-CN" altLang="en-US" sz="2000"/>
+              <a:t>为指数代码</a:t>
+            </a:r>
+            <a:r>
+              <a:rPr lang="zh-CN" altLang="en-US" sz="2000"/>
+              <a:t>）；</a:t>
+            </a:r>
+            <a:endParaRPr lang="zh-CN" altLang="en-US" sz="2000"/>
+          </a:p>
+          <a:p>
+            <a:pPr marL="342900" lvl="0" indent="-342900">
+              <a:buFont typeface="Wingdings" panose="05000000000000000000" charset="0"/>
+              <a:buChar char=""/>
+            </a:pPr>
+            <a:r>
+              <a:rPr lang="en-US" altLang="zh-CN" sz="2000"/>
+              <a:t>start</a:t>
+            </a:r>
+            <a:r>
+              <a:rPr lang="zh-CN" altLang="en-US" sz="2000"/>
+              <a:t>：开始日期（</a:t>
+            </a:r>
+            <a:r>
+              <a:rPr lang="en-US" altLang="zh-CN" sz="2000"/>
+              <a:t>format</a:t>
+            </a:r>
+            <a:r>
+              <a:rPr lang="zh-CN" altLang="en-US" sz="2000"/>
+              <a:t>：</a:t>
+            </a:r>
+            <a:r>
+              <a:rPr lang="en-US" altLang="zh-CN" sz="2000"/>
+              <a:t>yyyy-mm-dd </a:t>
+            </a:r>
+            <a:r>
+              <a:rPr lang="zh-CN" altLang="en-US" sz="2000"/>
+              <a:t>为空时取当前日期</a:t>
+            </a:r>
+            <a:r>
+              <a:rPr lang="zh-CN" altLang="en-US" sz="2000"/>
+              <a:t>）</a:t>
+            </a:r>
+            <a:endParaRPr lang="zh-CN" altLang="en-US" sz="2000"/>
+          </a:p>
+          <a:p>
+            <a:pPr marL="342900" lvl="0" indent="-342900">
+              <a:buFont typeface="Wingdings" panose="05000000000000000000" charset="0"/>
+              <a:buChar char=""/>
+            </a:pPr>
+            <a:r>
+              <a:rPr lang="en-US" altLang="zh-CN" sz="2000"/>
+              <a:t>end</a:t>
+            </a:r>
+            <a:r>
+              <a:rPr lang="zh-CN" altLang="en-US" sz="2000"/>
+              <a:t>：结束日期（</a:t>
+            </a:r>
+            <a:r>
+              <a:rPr lang="en-US" altLang="zh-CN" sz="2000"/>
+              <a:t>format</a:t>
+            </a:r>
+            <a:r>
+              <a:rPr lang="zh-CN" altLang="en-US" sz="2000"/>
+              <a:t>：</a:t>
+            </a:r>
+            <a:r>
+              <a:rPr lang="en-US" altLang="zh-CN" sz="2000"/>
+              <a:t>yyyy-mm-dd</a:t>
+            </a:r>
+            <a:r>
+              <a:rPr lang="zh-CN" altLang="en-US" sz="2000"/>
+              <a:t>）</a:t>
+            </a:r>
+            <a:endParaRPr lang="zh-CN" altLang="en-US" sz="2000"/>
+          </a:p>
+          <a:p>
+            <a:pPr lvl="0" indent="0">
+              <a:buFont typeface="Wingdings" panose="05000000000000000000" charset="0"/>
+              <a:buNone/>
+            </a:pPr>
+            <a:endParaRPr lang="zh-CN" altLang="en-US" sz="2000"/>
+          </a:p>
+          <a:p>
+            <a:pPr lvl="0" indent="0">
+              <a:buFont typeface="Wingdings" panose="05000000000000000000" charset="0"/>
+              <a:buNone/>
+            </a:pPr>
+            <a:r>
+              <a:rPr lang="en-US" altLang="zh-CN" sz="2000" i="1">
+                <a:solidFill>
+                  <a:srgbClr val="FF0000"/>
+                </a:solidFill>
+                <a:sym typeface="+mn-ea"/>
+              </a:rPr>
+              <a:t>e.g.  ts.get_k_data('000001',ktype='D',autype='qfq',index=True,\</a:t>
+            </a:r>
+            <a:endParaRPr lang="en-US" altLang="zh-CN" sz="2000" i="1">
+              <a:solidFill>
+                <a:srgbClr val="FF0000"/>
+              </a:solidFill>
+              <a:sym typeface="+mn-ea"/>
+            </a:endParaRPr>
+          </a:p>
+          <a:p>
+            <a:pPr lvl="0" indent="0">
+              <a:buFont typeface="Wingdings" panose="05000000000000000000" charset="0"/>
+              <a:buNone/>
+            </a:pPr>
+            <a:r>
+              <a:rPr lang="en-US" altLang="zh-CN" sz="2000" i="1">
+                <a:solidFill>
+                  <a:srgbClr val="FF0000"/>
+                </a:solidFill>
+                <a:sym typeface="+mn-ea"/>
+              </a:rPr>
+              <a:t>start='2017-01-01',end='2017-12-15')</a:t>
+            </a:r>
+            <a:endParaRPr lang="en-US" altLang="zh-CN" sz="2000" i="1">
+              <a:solidFill>
+                <a:srgbClr val="FF0000"/>
+              </a:solidFill>
+              <a:sym typeface="+mn-ea"/>
+            </a:endParaRPr>
+          </a:p>
+        </p:txBody>
+      </p:sp>
+    </p:spTree>
+  </p:cSld>
+  <p:clrMapOvr>
+    <a:masterClrMapping/>
+  </p:clrMapOvr>
+  <mc:AlternateContent xmlns:mc="http://schemas.openxmlformats.org/markup-compatibility/2006">
+    <mc:Choice xmlns:p14="http://schemas.microsoft.com/office/powerpoint/2010/main" Requires="p14">
+      <p:transition spd="slow" p14:dur="2000"/>
+    </mc:Choice>
+    <mc:Fallback>
+      <p:transition spd="slow"/>
+    </mc:Fallback>
+  </mc:AlternateContent>
+  <p:timing>
+    <p:tnLst>
+      <p:par>
+        <p:cTn id="1" dur="indefinite" restart="never" nodeType="tmRoot"/>
+      </p:par>
+    </p:tnLst>
+  </p:timing>
+</p:sld>
+</file>
+
+<file path=ppt/slides/slide22.xml><?xml version="1.0" encoding="utf-8"?>
+<p:sld xmlns:a="http://schemas.openxmlformats.org/drawingml/2006/main" xmlns:r="http://schemas.openxmlformats.org/officeDocument/2006/relationships" xmlns:p="http://schemas.openxmlformats.org/presentationml/2006/main">
+  <p:cSld>
+    <p:spTree>
+      <p:nvGrpSpPr>
+        <p:cNvPr id="1" name=""/>
+        <p:cNvGrpSpPr/>
+        <p:nvPr/>
+      </p:nvGrpSpPr>
+      <p:grpSpPr>
+        <a:xfrm>
+          <a:off x="0" y="0"/>
+          <a:ext cx="0" cy="0"/>
+          <a:chOff x="0" y="0"/>
+          <a:chExt cx="0" cy="0"/>
+        </a:xfrm>
+      </p:grpSpPr>
+      <p:sp>
+        <p:nvSpPr>
+          <p:cNvPr id="2" name="标题 1"/>
           <p:cNvSpPr>
             <a:spLocks noGrp="1"/>
           </p:cNvSpPr>
           <p:nvPr>
-            <p:ph idx="4294967295"/>
+            <p:ph type="title"/>
           </p:nvPr>
+        </p:nvSpPr>
+        <p:spPr/>
+        <p:txBody>
+          <a:bodyPr/>
+          <a:lstStyle/>
+          <a:p>
+            <a:r>
+              <a:rPr lang="en-US" altLang="zh-CN" dirty="0" smtClean="0"/>
+              <a:t>2.1  </a:t>
+            </a:r>
+            <a:r>
+              <a:rPr lang="zh-CN" altLang="en-US" dirty="0" smtClean="0"/>
+              <a:t>数据获取</a:t>
+            </a:r>
+            <a:r>
+              <a:rPr lang="en-US" altLang="zh-CN" dirty="0" smtClean="0"/>
+              <a:t>tushare</a:t>
+            </a:r>
+            <a:endParaRPr lang="en-US" altLang="zh-CN" dirty="0" smtClean="0"/>
+          </a:p>
+        </p:txBody>
+      </p:sp>
+      <p:sp>
+        <p:nvSpPr>
+          <p:cNvPr id="8" name="文本框 7"/>
+          <p:cNvSpPr txBox="1"/>
+          <p:nvPr/>
         </p:nvSpPr>
         <p:spPr>
           <a:xfrm>
-            <a:off x="1328420" y="1628775"/>
-            <a:ext cx="3376930" cy="2414270"/>
+            <a:off x="97790" y="1021715"/>
+            <a:ext cx="9201785" cy="521970"/>
           </a:xfrm>
+          <a:prstGeom prst="rect">
+            <a:avLst/>
+          </a:prstGeom>
+          <a:noFill/>
         </p:spPr>
         <p:txBody>
-          <a:bodyPr>
-            <a:noAutofit/>
+          <a:bodyPr wrap="square" rtlCol="0">
+            <a:spAutoFit/>
           </a:bodyPr>
-          <a:lstStyle/>
-          <a:p>
-            <a:pPr marL="457200" lvl="1" indent="0">
-              <a:lnSpc>
-                <a:spcPct val="150000"/>
-              </a:lnSpc>
-              <a:buClrTx/>
+          <a:p>
+            <a:r>
+              <a:rPr lang="en-US" altLang="zh-CN" sz="2800" b="1"/>
+              <a:t>Re=ts.get_k_data(code,ktype,autype,index,start,end)</a:t>
+            </a:r>
+            <a:endParaRPr lang="en-US" altLang="zh-CN" sz="2000" b="1"/>
+          </a:p>
+        </p:txBody>
+      </p:sp>
+      <p:sp>
+        <p:nvSpPr>
+          <p:cNvPr id="9" name="文本框 8"/>
+          <p:cNvSpPr txBox="1"/>
+          <p:nvPr/>
+        </p:nvSpPr>
+        <p:spPr>
+          <a:xfrm>
+            <a:off x="145415" y="3723640"/>
+            <a:ext cx="8722995" cy="2245360"/>
+          </a:xfrm>
+          <a:prstGeom prst="rect">
+            <a:avLst/>
+          </a:prstGeom>
+          <a:noFill/>
+        </p:spPr>
+        <p:txBody>
+          <a:bodyPr wrap="square" rtlCol="0">
+            <a:spAutoFit/>
+          </a:bodyPr>
+          <a:p>
+            <a:pPr indent="0">
+              <a:buFont typeface="Wingdings" panose="05000000000000000000" charset="0"/>
               <a:buNone/>
             </a:pPr>
             <a:r>
-              <a:rPr lang="en-US" altLang="zh-CN" dirty="0" smtClean="0">
-                <a:latin typeface="微软雅黑" panose="020B0503020204020204" pitchFamily="34" charset="-122"/>
-                <a:ea typeface="微软雅黑" panose="020B0503020204020204" pitchFamily="34" charset="-122"/>
+              <a:rPr lang="en-US" altLang="zh-CN" sz="2000" b="1"/>
+              <a:t>Re</a:t>
+            </a:r>
+            <a:r>
+              <a:rPr lang="zh-CN" altLang="en-US" sz="2000" b="1"/>
+              <a:t>属性：</a:t>
+            </a:r>
+            <a:endParaRPr lang="zh-CN" altLang="en-US" sz="2000" b="1"/>
+          </a:p>
+          <a:p>
+            <a:pPr marL="342900" indent="-342900">
+              <a:buFont typeface="Wingdings" panose="05000000000000000000" charset="0"/>
+              <a:buChar char=""/>
+            </a:pPr>
+            <a:r>
+              <a:rPr lang="en-US" altLang="zh-CN" sz="2000"/>
+              <a:t>date</a:t>
+            </a:r>
+            <a:r>
+              <a:rPr lang="zh-CN" altLang="en-US" sz="2000"/>
+              <a:t>：交易日期（</a:t>
+            </a:r>
+            <a:r>
+              <a:rPr lang="en-US" altLang="zh-CN" sz="2000"/>
+              <a:t>index</a:t>
+            </a:r>
+            <a:r>
+              <a:rPr lang="zh-CN" altLang="en-US" sz="2000"/>
+              <a:t>）；</a:t>
+            </a:r>
+            <a:endParaRPr lang="zh-CN" altLang="en-US" sz="2000"/>
+          </a:p>
+          <a:p>
+            <a:pPr marL="342900" indent="-342900">
+              <a:buFont typeface="Wingdings" panose="05000000000000000000" charset="0"/>
+              <a:buChar char=""/>
+            </a:pPr>
+            <a:r>
+              <a:rPr lang="en-US" altLang="zh-CN" sz="2000"/>
+              <a:t>open</a:t>
+            </a:r>
+            <a:r>
+              <a:rPr lang="zh-CN" altLang="en-US" sz="2000"/>
+              <a:t>：开盘价；</a:t>
+            </a:r>
+            <a:endParaRPr lang="en-US" altLang="zh-CN" sz="2000"/>
+          </a:p>
+          <a:p>
+            <a:pPr marL="342900" lvl="0" indent="-342900">
+              <a:buFont typeface="Wingdings" panose="05000000000000000000" charset="0"/>
+              <a:buChar char=""/>
+            </a:pPr>
+            <a:r>
+              <a:rPr lang="en-US" altLang="zh-CN" sz="2000"/>
+              <a:t>close</a:t>
+            </a:r>
+            <a:r>
+              <a:rPr lang="zh-CN" altLang="en-US" sz="2000"/>
+              <a:t>：收盘价；</a:t>
+            </a:r>
+            <a:endParaRPr lang="zh-CN" altLang="en-US" sz="2000"/>
+          </a:p>
+          <a:p>
+            <a:pPr marL="342900" lvl="0" indent="-342900">
+              <a:buFont typeface="Wingdings" panose="05000000000000000000" charset="0"/>
+              <a:buChar char=""/>
+            </a:pPr>
+            <a:r>
+              <a:rPr lang="en-US" altLang="zh-CN" sz="2000">
+                <a:sym typeface="+mn-ea"/>
               </a:rPr>
-              <a:t>1. </a:t>
-            </a:r>
-            <a:r>
-              <a:rPr lang="zh-CN" altLang="en-US" dirty="0" smtClean="0">
-                <a:latin typeface="微软雅黑" panose="020B0503020204020204" pitchFamily="34" charset="-122"/>
-                <a:ea typeface="微软雅黑" panose="020B0503020204020204" pitchFamily="34" charset="-122"/>
+              <a:t>high</a:t>
+            </a:r>
+            <a:r>
+              <a:rPr lang="zh-CN" altLang="en-US" sz="2000">
+                <a:sym typeface="+mn-ea"/>
               </a:rPr>
-              <a:t>投资交易简介</a:t>
-            </a:r>
-            <a:endParaRPr lang="zh-CN" altLang="en-US" dirty="0" smtClean="0">
-              <a:latin typeface="微软雅黑" panose="020B0503020204020204" pitchFamily="34" charset="-122"/>
-              <a:ea typeface="微软雅黑" panose="020B0503020204020204" pitchFamily="34" charset="-122"/>
-            </a:endParaRPr>
-          </a:p>
-          <a:p>
-            <a:pPr marL="457200" lvl="1" indent="0">
-              <a:lnSpc>
-                <a:spcPct val="150000"/>
-              </a:lnSpc>
-              <a:buClrTx/>
-              <a:buNone/>
+              <a:t>：最高价</a:t>
+            </a:r>
+            <a:r>
+              <a:rPr lang="en-US" altLang="zh-CN" sz="2000">
+                <a:sym typeface="+mn-ea"/>
+              </a:rPr>
+              <a:t>;</a:t>
+            </a:r>
+            <a:endParaRPr lang="zh-CN" altLang="en-US" sz="2000"/>
+          </a:p>
+          <a:p>
+            <a:pPr marL="342900" lvl="0" indent="-342900">
+              <a:buFont typeface="Wingdings" panose="05000000000000000000" charset="0"/>
+              <a:buChar char=""/>
             </a:pPr>
             <a:r>
-              <a:rPr lang="en-US" altLang="zh-CN" dirty="0" smtClean="0">
-                <a:latin typeface="微软雅黑" panose="020B0503020204020204" pitchFamily="34" charset="-122"/>
-                <a:ea typeface="微软雅黑" panose="020B0503020204020204" pitchFamily="34" charset="-122"/>
-              </a:rPr>
-              <a:t>2. </a:t>
-            </a:r>
-            <a:r>
-              <a:rPr lang="zh-CN" altLang="en-US" dirty="0" smtClean="0">
-                <a:latin typeface="微软雅黑" panose="020B0503020204020204" pitchFamily="34" charset="-122"/>
-                <a:ea typeface="微软雅黑" panose="020B0503020204020204" pitchFamily="34" charset="-122"/>
-              </a:rPr>
-              <a:t>交易数据</a:t>
-            </a:r>
-            <a:endParaRPr lang="zh-CN" altLang="en-US" dirty="0" smtClean="0">
-              <a:latin typeface="微软雅黑" panose="020B0503020204020204" pitchFamily="34" charset="-122"/>
-              <a:ea typeface="微软雅黑" panose="020B0503020204020204" pitchFamily="34" charset="-122"/>
-            </a:endParaRPr>
-          </a:p>
-          <a:p>
-            <a:pPr marL="457200" lvl="1" indent="0">
-              <a:lnSpc>
-                <a:spcPct val="150000"/>
-              </a:lnSpc>
-              <a:buClrTx/>
-              <a:buNone/>
+              <a:rPr lang="en-US" altLang="zh-CN" sz="2000"/>
+              <a:t>low</a:t>
+            </a:r>
+            <a:r>
+              <a:rPr lang="zh-CN" altLang="en-US" sz="2000"/>
+              <a:t>：最低价；</a:t>
+            </a:r>
+            <a:endParaRPr lang="zh-CN" altLang="en-US" sz="2000"/>
+          </a:p>
+          <a:p>
+            <a:pPr marL="342900" lvl="0" indent="-342900">
+              <a:buFont typeface="Wingdings" panose="05000000000000000000" charset="0"/>
+              <a:buChar char=""/>
             </a:pPr>
             <a:r>
-              <a:rPr lang="en-US" altLang="zh-CN" dirty="0" smtClean="0">
-                <a:latin typeface="微软雅黑" panose="020B0503020204020204" pitchFamily="34" charset="-122"/>
-                <a:ea typeface="微软雅黑" panose="020B0503020204020204" pitchFamily="34" charset="-122"/>
-              </a:rPr>
-              <a:t>3. AI</a:t>
-            </a:r>
-            <a:r>
-              <a:rPr lang="zh-CN" altLang="en-US" dirty="0" smtClean="0">
-                <a:latin typeface="微软雅黑" panose="020B0503020204020204" pitchFamily="34" charset="-122"/>
-                <a:ea typeface="微软雅黑" panose="020B0503020204020204" pitchFamily="34" charset="-122"/>
-              </a:rPr>
-              <a:t>量化交易</a:t>
-            </a:r>
-            <a:endParaRPr lang="en-US" altLang="zh-CN" dirty="0">
-              <a:latin typeface="微软雅黑" panose="020B0503020204020204" pitchFamily="34" charset="-122"/>
-              <a:ea typeface="微软雅黑" panose="020B0503020204020204" pitchFamily="34" charset="-122"/>
-            </a:endParaRPr>
+              <a:rPr lang="en-US" altLang="zh-CN" sz="2000"/>
+              <a:t>volume</a:t>
+            </a:r>
+            <a:r>
+              <a:rPr lang="zh-CN" altLang="en-US" sz="2000"/>
+              <a:t>：成交量；</a:t>
+            </a:r>
+            <a:endParaRPr lang="zh-CN" altLang="en-US"/>
           </a:p>
         </p:txBody>
       </p:sp>
+      <p:pic>
+        <p:nvPicPr>
+          <p:cNvPr id="3" name="图片 2"/>
+          <p:cNvPicPr>
+            <a:picLocks noChangeAspect="1"/>
+          </p:cNvPicPr>
+          <p:nvPr/>
+        </p:nvPicPr>
+        <p:blipFill>
+          <a:blip r:embed="rId1"/>
+          <a:stretch>
+            <a:fillRect/>
+          </a:stretch>
+        </p:blipFill>
+        <p:spPr>
+          <a:xfrm>
+            <a:off x="180340" y="1758950"/>
+            <a:ext cx="5009515" cy="1724025"/>
+          </a:xfrm>
+          <a:prstGeom prst="rect">
+            <a:avLst/>
+          </a:prstGeom>
+        </p:spPr>
+      </p:pic>
       <p:pic>
         <p:nvPicPr>
           <p:cNvPr id="4" name="图片 3"/>
@@ -43542,38 +45511,19 @@
           <p:nvPr/>
         </p:nvPicPr>
         <p:blipFill>
-          <a:blip r:embed="rId1">
-            <a:extLst>
-              <a:ext uri="{28A0092B-C50C-407E-A947-70E740481C1C}">
-                <a14:useLocalDpi xmlns:a14="http://schemas.microsoft.com/office/drawing/2010/main" val="0"/>
-              </a:ext>
-            </a:extLst>
-          </a:blip>
+          <a:blip r:embed="rId2"/>
           <a:stretch>
             <a:fillRect/>
           </a:stretch>
         </p:blipFill>
         <p:spPr>
           <a:xfrm>
-            <a:off x="5834693" y="996315"/>
-            <a:ext cx="3106109" cy="2329582"/>
+            <a:off x="6807835" y="1615440"/>
+            <a:ext cx="1773555" cy="5067300"/>
           </a:xfrm>
-          <a:prstGeom prst="roundRect">
-            <a:avLst>
-              <a:gd name="adj" fmla="val 8594"/>
-            </a:avLst>
+          <a:prstGeom prst="rect">
+            <a:avLst/>
           </a:prstGeom>
-          <a:solidFill>
-            <a:srgbClr val="FFFFFF">
-              <a:shade val="85000"/>
-            </a:srgbClr>
-          </a:solidFill>
-          <a:ln>
-            <a:noFill/>
-          </a:ln>
-          <a:effectLst>
-            <a:reflection blurRad="12700" stA="38000" endPos="28000" dist="5000" dir="5400000" sy="-100000" algn="bl" rotWithShape="0"/>
-          </a:effectLst>
         </p:spPr>
       </p:pic>
     </p:spTree>
@@ -43599,7 +45549,826 @@
 </p:sld>
 </file>
 
-<file path=ppt/slides/slide20.xml><?xml version="1.0" encoding="utf-8"?>
+<file path=ppt/slides/slide23.xml><?xml version="1.0" encoding="utf-8"?>
+<p:sld xmlns:a="http://schemas.openxmlformats.org/drawingml/2006/main" xmlns:r="http://schemas.openxmlformats.org/officeDocument/2006/relationships" xmlns:p="http://schemas.openxmlformats.org/presentationml/2006/main">
+  <p:cSld>
+    <p:spTree>
+      <p:nvGrpSpPr>
+        <p:cNvPr id="1" name=""/>
+        <p:cNvGrpSpPr/>
+        <p:nvPr/>
+      </p:nvGrpSpPr>
+      <p:grpSpPr>
+        <a:xfrm>
+          <a:off x="0" y="0"/>
+          <a:ext cx="0" cy="0"/>
+          <a:chOff x="0" y="0"/>
+          <a:chExt cx="0" cy="0"/>
+        </a:xfrm>
+      </p:grpSpPr>
+      <p:pic>
+        <p:nvPicPr>
+          <p:cNvPr id="10" name="图片 9"/>
+          <p:cNvPicPr>
+            <a:picLocks noChangeAspect="1"/>
+          </p:cNvPicPr>
+          <p:nvPr/>
+        </p:nvPicPr>
+        <p:blipFill>
+          <a:blip r:embed="rId1"/>
+          <a:stretch>
+            <a:fillRect/>
+          </a:stretch>
+        </p:blipFill>
+        <p:spPr>
+          <a:xfrm>
+            <a:off x="2635885" y="3959860"/>
+            <a:ext cx="3561715" cy="2875915"/>
+          </a:xfrm>
+          <a:prstGeom prst="rect">
+            <a:avLst/>
+          </a:prstGeom>
+        </p:spPr>
+      </p:pic>
+      <p:sp>
+        <p:nvSpPr>
+          <p:cNvPr id="2" name="标题 1"/>
+          <p:cNvSpPr>
+            <a:spLocks noGrp="1"/>
+          </p:cNvSpPr>
+          <p:nvPr>
+            <p:ph type="title"/>
+          </p:nvPr>
+        </p:nvSpPr>
+        <p:spPr/>
+        <p:txBody>
+          <a:bodyPr/>
+          <a:lstStyle/>
+          <a:p>
+            <a:r>
+              <a:rPr lang="en-US" altLang="zh-CN" dirty="0" smtClean="0"/>
+              <a:t>2.1  </a:t>
+            </a:r>
+            <a:r>
+              <a:rPr lang="zh-CN" altLang="en-US" dirty="0" smtClean="0"/>
+              <a:t>数据获取</a:t>
+            </a:r>
+            <a:r>
+              <a:rPr lang="en-US" altLang="zh-CN" dirty="0" smtClean="0"/>
+              <a:t>tushare</a:t>
+            </a:r>
+            <a:endParaRPr lang="en-US" altLang="zh-CN" dirty="0" smtClean="0"/>
+          </a:p>
+        </p:txBody>
+      </p:sp>
+      <p:sp>
+        <p:nvSpPr>
+          <p:cNvPr id="5" name="文本框 4"/>
+          <p:cNvSpPr txBox="1"/>
+          <p:nvPr/>
+        </p:nvSpPr>
+        <p:spPr>
+          <a:xfrm>
+            <a:off x="444500" y="1012825"/>
+            <a:ext cx="7943850" cy="368300"/>
+          </a:xfrm>
+          <a:prstGeom prst="rect">
+            <a:avLst/>
+          </a:prstGeom>
+          <a:noFill/>
+        </p:spPr>
+        <p:txBody>
+          <a:bodyPr wrap="square" rtlCol="0">
+            <a:spAutoFit/>
+          </a:bodyPr>
+          <a:p>
+            <a:r>
+              <a:rPr lang="zh-CN" altLang="en-US"/>
+              <a:t>代码测试：上证综指、平安银行、浦发银行数据获取</a:t>
+            </a:r>
+            <a:endParaRPr lang="zh-CN" altLang="en-US"/>
+          </a:p>
+        </p:txBody>
+      </p:sp>
+      <p:pic>
+        <p:nvPicPr>
+          <p:cNvPr id="6" name="图片 5"/>
+          <p:cNvPicPr>
+            <a:picLocks noChangeAspect="1"/>
+          </p:cNvPicPr>
+          <p:nvPr/>
+        </p:nvPicPr>
+        <p:blipFill>
+          <a:blip r:embed="rId2"/>
+          <a:stretch>
+            <a:fillRect/>
+          </a:stretch>
+        </p:blipFill>
+        <p:spPr>
+          <a:xfrm>
+            <a:off x="581660" y="1381125"/>
+            <a:ext cx="3637915" cy="2740025"/>
+          </a:xfrm>
+          <a:prstGeom prst="rect">
+            <a:avLst/>
+          </a:prstGeom>
+        </p:spPr>
+      </p:pic>
+      <p:pic>
+        <p:nvPicPr>
+          <p:cNvPr id="7" name="图片 6"/>
+          <p:cNvPicPr>
+            <a:picLocks noChangeAspect="1"/>
+          </p:cNvPicPr>
+          <p:nvPr/>
+        </p:nvPicPr>
+        <p:blipFill>
+          <a:blip r:embed="rId3"/>
+          <a:stretch>
+            <a:fillRect/>
+          </a:stretch>
+        </p:blipFill>
+        <p:spPr>
+          <a:xfrm>
+            <a:off x="4634230" y="1381125"/>
+            <a:ext cx="3388360" cy="2740025"/>
+          </a:xfrm>
+          <a:prstGeom prst="rect">
+            <a:avLst/>
+          </a:prstGeom>
+        </p:spPr>
+      </p:pic>
+    </p:spTree>
+  </p:cSld>
+  <p:clrMapOvr>
+    <a:masterClrMapping/>
+  </p:clrMapOvr>
+  <mc:AlternateContent xmlns:mc="http://schemas.openxmlformats.org/markup-compatibility/2006">
+    <mc:Choice xmlns:p14="http://schemas.microsoft.com/office/powerpoint/2010/main" Requires="p14">
+      <p:transition spd="slow" p14:dur="2000"/>
+    </mc:Choice>
+    <mc:Fallback>
+      <p:transition spd="slow"/>
+    </mc:Fallback>
+  </mc:AlternateContent>
+  <p:timing>
+    <p:tnLst>
+      <p:par>
+        <p:cTn id="1" dur="indefinite" restart="never" nodeType="tmRoot"/>
+      </p:par>
+    </p:tnLst>
+  </p:timing>
+</p:sld>
+</file>
+
+<file path=ppt/slides/slide24.xml><?xml version="1.0" encoding="utf-8"?>
+<p:sld xmlns:a="http://schemas.openxmlformats.org/drawingml/2006/main" xmlns:r="http://schemas.openxmlformats.org/officeDocument/2006/relationships" xmlns:p="http://schemas.openxmlformats.org/presentationml/2006/main">
+  <p:cSld>
+    <p:spTree>
+      <p:nvGrpSpPr>
+        <p:cNvPr id="1" name=""/>
+        <p:cNvGrpSpPr/>
+        <p:nvPr/>
+      </p:nvGrpSpPr>
+      <p:grpSpPr>
+        <a:xfrm>
+          <a:off x="0" y="0"/>
+          <a:ext cx="0" cy="0"/>
+          <a:chOff x="0" y="0"/>
+          <a:chExt cx="0" cy="0"/>
+        </a:xfrm>
+      </p:grpSpPr>
+      <p:sp>
+        <p:nvSpPr>
+          <p:cNvPr id="2" name="标题 1"/>
+          <p:cNvSpPr>
+            <a:spLocks noGrp="1"/>
+          </p:cNvSpPr>
+          <p:nvPr>
+            <p:ph type="title"/>
+          </p:nvPr>
+        </p:nvSpPr>
+        <p:spPr/>
+        <p:txBody>
+          <a:bodyPr/>
+          <a:lstStyle/>
+          <a:p>
+            <a:r>
+              <a:rPr lang="en-US" altLang="zh-CN" dirty="0" smtClean="0"/>
+              <a:t>2.1  </a:t>
+            </a:r>
+            <a:r>
+              <a:rPr lang="zh-CN" altLang="en-US" dirty="0" smtClean="0"/>
+              <a:t>数据获取</a:t>
+            </a:r>
+            <a:r>
+              <a:rPr lang="en-US" altLang="zh-CN" dirty="0" smtClean="0"/>
+              <a:t>tushare</a:t>
+            </a:r>
+            <a:endParaRPr lang="en-US" altLang="zh-CN" dirty="0" smtClean="0"/>
+          </a:p>
+        </p:txBody>
+      </p:sp>
+      <p:sp>
+        <p:nvSpPr>
+          <p:cNvPr id="3" name="文本框 2"/>
+          <p:cNvSpPr txBox="1"/>
+          <p:nvPr/>
+        </p:nvSpPr>
+        <p:spPr>
+          <a:xfrm>
+            <a:off x="264795" y="914400"/>
+            <a:ext cx="6567170" cy="521970"/>
+          </a:xfrm>
+          <a:prstGeom prst="rect">
+            <a:avLst/>
+          </a:prstGeom>
+          <a:noFill/>
+        </p:spPr>
+        <p:txBody>
+          <a:bodyPr wrap="square" rtlCol="0" anchor="t">
+            <a:spAutoFit/>
+          </a:bodyPr>
+          <a:p>
+            <a:r>
+              <a:rPr lang="en-US" altLang="zh-CN" sz="2800"/>
+              <a:t>Re=</a:t>
+            </a:r>
+            <a:r>
+              <a:rPr lang="zh-CN" altLang="en-US" sz="2800"/>
+              <a:t>ts.get_realtime_quotes(</a:t>
+            </a:r>
+            <a:r>
+              <a:rPr lang="en-US" altLang="zh-CN" sz="2800"/>
+              <a:t>code</a:t>
+            </a:r>
+            <a:r>
+              <a:rPr lang="zh-CN" altLang="en-US" sz="2800"/>
+              <a:t>)</a:t>
+            </a:r>
+            <a:endParaRPr lang="zh-CN" altLang="en-US" sz="2800"/>
+          </a:p>
+        </p:txBody>
+      </p:sp>
+      <p:sp>
+        <p:nvSpPr>
+          <p:cNvPr id="4" name="文本框 3"/>
+          <p:cNvSpPr txBox="1"/>
+          <p:nvPr/>
+        </p:nvSpPr>
+        <p:spPr>
+          <a:xfrm>
+            <a:off x="319405" y="1450340"/>
+            <a:ext cx="7935595" cy="1938020"/>
+          </a:xfrm>
+          <a:prstGeom prst="rect">
+            <a:avLst/>
+          </a:prstGeom>
+          <a:noFill/>
+        </p:spPr>
+        <p:txBody>
+          <a:bodyPr wrap="square" rtlCol="0" anchor="t">
+            <a:spAutoFit/>
+          </a:bodyPr>
+          <a:p>
+            <a:r>
+              <a:rPr lang="zh-CN" altLang="en-US" sz="2000"/>
+              <a:t>symbols：6位数字股票代码，或者指数代码（sh=上证指数 sz=深圳成指 hs300=沪深300指数 sz50=上证50 zxb=中小板 cyb=创业板）</a:t>
+            </a:r>
+            <a:r>
+              <a:rPr lang="en-US" altLang="zh-CN" sz="2000"/>
+              <a:t>;</a:t>
+            </a:r>
+            <a:endParaRPr lang="en-US" altLang="zh-CN" sz="2000"/>
+          </a:p>
+          <a:p>
+            <a:r>
+              <a:rPr lang="en-US" altLang="zh-CN" sz="2000" i="1">
+                <a:solidFill>
+                  <a:srgbClr val="FF0000"/>
+                </a:solidFill>
+              </a:rPr>
+              <a:t>e.g.  ts.get_realtime_quotes('sh'), ts.get_realtime_quotes('600519')</a:t>
+            </a:r>
+            <a:endParaRPr lang="en-US" altLang="zh-CN" sz="2000" i="1">
+              <a:solidFill>
+                <a:srgbClr val="FF0000"/>
+              </a:solidFill>
+            </a:endParaRPr>
+          </a:p>
+          <a:p>
+            <a:endParaRPr lang="en-US" altLang="zh-CN" sz="2000">
+              <a:solidFill>
+                <a:schemeClr val="tx1"/>
+              </a:solidFill>
+            </a:endParaRPr>
+          </a:p>
+          <a:p>
+            <a:r>
+              <a:rPr lang="en-US" altLang="zh-CN" sz="2000">
+                <a:solidFill>
+                  <a:schemeClr val="tx1"/>
+                </a:solidFill>
+              </a:rPr>
+              <a:t>Re</a:t>
+            </a:r>
+            <a:r>
+              <a:rPr lang="zh-CN" altLang="en-US" sz="2000">
+                <a:solidFill>
+                  <a:schemeClr val="tx1"/>
+                </a:solidFill>
+              </a:rPr>
+              <a:t>属性</a:t>
+            </a:r>
+            <a:r>
+              <a:rPr lang="en-US" altLang="zh-CN" sz="2000">
+                <a:solidFill>
+                  <a:schemeClr val="tx1"/>
+                </a:solidFill>
+              </a:rPr>
+              <a:t>:</a:t>
+            </a:r>
+            <a:endParaRPr lang="en-US" altLang="zh-CN" sz="2000">
+              <a:solidFill>
+                <a:schemeClr val="tx1"/>
+              </a:solidFill>
+            </a:endParaRPr>
+          </a:p>
+          <a:p>
+            <a:endParaRPr lang="en-US" altLang="zh-CN" sz="2000">
+              <a:solidFill>
+                <a:schemeClr val="tx1"/>
+              </a:solidFill>
+            </a:endParaRPr>
+          </a:p>
+        </p:txBody>
+      </p:sp>
+      <p:pic>
+        <p:nvPicPr>
+          <p:cNvPr id="5" name="图片 4"/>
+          <p:cNvPicPr>
+            <a:picLocks noChangeAspect="1"/>
+          </p:cNvPicPr>
+          <p:nvPr/>
+        </p:nvPicPr>
+        <p:blipFill>
+          <a:blip r:embed="rId1"/>
+          <a:stretch>
+            <a:fillRect/>
+          </a:stretch>
+        </p:blipFill>
+        <p:spPr>
+          <a:xfrm>
+            <a:off x="1564005" y="2705100"/>
+            <a:ext cx="3123565" cy="4133215"/>
+          </a:xfrm>
+          <a:prstGeom prst="rect">
+            <a:avLst/>
+          </a:prstGeom>
+        </p:spPr>
+      </p:pic>
+      <p:pic>
+        <p:nvPicPr>
+          <p:cNvPr id="7" name="图片 6"/>
+          <p:cNvPicPr>
+            <a:picLocks noChangeAspect="1"/>
+          </p:cNvPicPr>
+          <p:nvPr/>
+        </p:nvPicPr>
+        <p:blipFill>
+          <a:blip r:embed="rId2"/>
+          <a:stretch>
+            <a:fillRect/>
+          </a:stretch>
+        </p:blipFill>
+        <p:spPr>
+          <a:xfrm>
+            <a:off x="4902835" y="4105275"/>
+            <a:ext cx="4199890" cy="2733040"/>
+          </a:xfrm>
+          <a:prstGeom prst="rect">
+            <a:avLst/>
+          </a:prstGeom>
+        </p:spPr>
+      </p:pic>
+      <p:sp>
+        <p:nvSpPr>
+          <p:cNvPr id="8" name="文本框 7"/>
+          <p:cNvSpPr txBox="1"/>
+          <p:nvPr/>
+        </p:nvSpPr>
+        <p:spPr>
+          <a:xfrm>
+            <a:off x="4902835" y="3645535"/>
+            <a:ext cx="2328545" cy="368300"/>
+          </a:xfrm>
+          <a:prstGeom prst="rect">
+            <a:avLst/>
+          </a:prstGeom>
+          <a:noFill/>
+        </p:spPr>
+        <p:txBody>
+          <a:bodyPr wrap="square" rtlCol="0">
+            <a:spAutoFit/>
+          </a:bodyPr>
+          <a:p>
+            <a:r>
+              <a:rPr lang="en-US" altLang="zh-CN"/>
+              <a:t>Re['price']:</a:t>
+            </a:r>
+            <a:r>
+              <a:rPr lang="zh-CN" altLang="en-US"/>
+              <a:t>实时价格</a:t>
+            </a:r>
+            <a:endParaRPr lang="zh-CN" altLang="en-US"/>
+          </a:p>
+        </p:txBody>
+      </p:sp>
+      <p:pic>
+        <p:nvPicPr>
+          <p:cNvPr id="9" name="图片 8"/>
+          <p:cNvPicPr>
+            <a:picLocks noChangeAspect="1"/>
+          </p:cNvPicPr>
+          <p:nvPr/>
+        </p:nvPicPr>
+        <p:blipFill>
+          <a:blip r:embed="rId3"/>
+          <a:stretch>
+            <a:fillRect/>
+          </a:stretch>
+        </p:blipFill>
+        <p:spPr>
+          <a:xfrm>
+            <a:off x="7231380" y="2454275"/>
+            <a:ext cx="1618615" cy="1546225"/>
+          </a:xfrm>
+          <a:prstGeom prst="rect">
+            <a:avLst/>
+          </a:prstGeom>
+        </p:spPr>
+      </p:pic>
+    </p:spTree>
+  </p:cSld>
+  <p:clrMapOvr>
+    <a:masterClrMapping/>
+  </p:clrMapOvr>
+  <mc:AlternateContent xmlns:mc="http://schemas.openxmlformats.org/markup-compatibility/2006">
+    <mc:Choice xmlns:p14="http://schemas.microsoft.com/office/powerpoint/2010/main" Requires="p14">
+      <p:transition spd="slow" p14:dur="2000"/>
+    </mc:Choice>
+    <mc:Fallback>
+      <p:transition spd="slow"/>
+    </mc:Fallback>
+  </mc:AlternateContent>
+  <p:timing>
+    <p:tnLst>
+      <p:par>
+        <p:cTn id="1" dur="indefinite" restart="never" nodeType="tmRoot"/>
+      </p:par>
+    </p:tnLst>
+  </p:timing>
+</p:sld>
+</file>
+
+<file path=ppt/slides/slide25.xml><?xml version="1.0" encoding="utf-8"?>
+<p:sld xmlns:a="http://schemas.openxmlformats.org/drawingml/2006/main" xmlns:r="http://schemas.openxmlformats.org/officeDocument/2006/relationships" xmlns:p="http://schemas.openxmlformats.org/presentationml/2006/main">
+  <p:cSld>
+    <p:spTree>
+      <p:nvGrpSpPr>
+        <p:cNvPr id="1" name=""/>
+        <p:cNvGrpSpPr/>
+        <p:nvPr/>
+      </p:nvGrpSpPr>
+      <p:grpSpPr>
+        <a:xfrm>
+          <a:off x="0" y="0"/>
+          <a:ext cx="0" cy="0"/>
+          <a:chOff x="0" y="0"/>
+          <a:chExt cx="0" cy="0"/>
+        </a:xfrm>
+      </p:grpSpPr>
+      <p:sp>
+        <p:nvSpPr>
+          <p:cNvPr id="2" name="标题 1"/>
+          <p:cNvSpPr>
+            <a:spLocks noGrp="1"/>
+          </p:cNvSpPr>
+          <p:nvPr>
+            <p:ph type="title"/>
+          </p:nvPr>
+        </p:nvSpPr>
+        <p:spPr/>
+        <p:txBody>
+          <a:bodyPr/>
+          <a:lstStyle/>
+          <a:p>
+            <a:r>
+              <a:rPr lang="en-US" altLang="zh-CN" dirty="0" smtClean="0"/>
+              <a:t>2.1  </a:t>
+            </a:r>
+            <a:r>
+              <a:rPr lang="zh-CN" altLang="en-US" dirty="0" smtClean="0"/>
+              <a:t>数据获取</a:t>
+            </a:r>
+            <a:r>
+              <a:rPr lang="en-US" altLang="zh-CN" dirty="0" smtClean="0"/>
+              <a:t>tushare</a:t>
+            </a:r>
+            <a:endParaRPr lang="en-US" altLang="zh-CN" dirty="0" smtClean="0"/>
+          </a:p>
+        </p:txBody>
+      </p:sp>
+      <p:sp>
+        <p:nvSpPr>
+          <p:cNvPr id="3" name="文本框 2"/>
+          <p:cNvSpPr txBox="1"/>
+          <p:nvPr/>
+        </p:nvSpPr>
+        <p:spPr>
+          <a:xfrm>
+            <a:off x="189230" y="993775"/>
+            <a:ext cx="6686550" cy="706755"/>
+          </a:xfrm>
+          <a:prstGeom prst="rect">
+            <a:avLst/>
+          </a:prstGeom>
+          <a:noFill/>
+        </p:spPr>
+        <p:txBody>
+          <a:bodyPr wrap="square" rtlCol="0" anchor="t">
+            <a:spAutoFit/>
+          </a:bodyPr>
+          <a:p>
+            <a:r>
+              <a:rPr lang="en-US" altLang="zh-CN" sz="2000" b="1"/>
+              <a:t>python </a:t>
+            </a:r>
+            <a:r>
+              <a:rPr lang="zh-CN" altLang="en-US" sz="2000" b="1"/>
+              <a:t>弹窗</a:t>
+            </a:r>
+            <a:endParaRPr lang="zh-CN" altLang="en-US" sz="2000" b="1"/>
+          </a:p>
+          <a:p>
+            <a:r>
+              <a:rPr lang="zh-CN" altLang="en-US" sz="2000" b="1"/>
+              <a:t>import tkinter as tk </a:t>
+            </a:r>
+            <a:endParaRPr lang="zh-CN" altLang="en-US" sz="2000" b="1"/>
+          </a:p>
+        </p:txBody>
+      </p:sp>
+      <p:sp>
+        <p:nvSpPr>
+          <p:cNvPr id="4" name="文本框 3"/>
+          <p:cNvSpPr txBox="1"/>
+          <p:nvPr/>
+        </p:nvSpPr>
+        <p:spPr>
+          <a:xfrm>
+            <a:off x="139065" y="1656080"/>
+            <a:ext cx="6974840" cy="3692525"/>
+          </a:xfrm>
+          <a:prstGeom prst="rect">
+            <a:avLst/>
+          </a:prstGeom>
+          <a:noFill/>
+        </p:spPr>
+        <p:txBody>
+          <a:bodyPr wrap="square" rtlCol="0" anchor="t">
+            <a:spAutoFit/>
+          </a:bodyPr>
+          <a:p>
+            <a:r>
+              <a:rPr lang="zh-CN" altLang="en-US"/>
+              <a:t> window = tk.Tk()  </a:t>
+            </a:r>
+            <a:endParaRPr lang="zh-CN" altLang="en-US"/>
+          </a:p>
+          <a:p>
+            <a:r>
+              <a:rPr lang="zh-CN" altLang="en-US"/>
+              <a:t> window.title('Warning')  </a:t>
+            </a:r>
+            <a:endParaRPr lang="zh-CN" altLang="en-US"/>
+          </a:p>
+          <a:p>
+            <a:r>
+              <a:rPr lang="zh-CN" altLang="en-US"/>
+              <a:t> window.geometry('300x200')  </a:t>
+            </a:r>
+            <a:endParaRPr lang="zh-CN" altLang="en-US"/>
+          </a:p>
+          <a:p>
+            <a:r>
+              <a:rPr lang="zh-CN" altLang="en-US"/>
+              <a:t> l = tk.Label(window,bg='yellow',width=50,text='get target')  </a:t>
+            </a:r>
+            <a:endParaRPr lang="zh-CN" altLang="en-US"/>
+          </a:p>
+          <a:p>
+            <a:r>
+              <a:rPr lang="zh-CN" altLang="en-US"/>
+              <a:t> l.pack()  </a:t>
+            </a:r>
+            <a:endParaRPr lang="zh-CN" altLang="en-US"/>
+          </a:p>
+          <a:p>
+            <a:r>
+              <a:rPr lang="zh-CN" altLang="en-US"/>
+              <a:t> window.mainloop()  </a:t>
+            </a:r>
+            <a:endParaRPr lang="zh-CN" altLang="en-US"/>
+          </a:p>
+          <a:p>
+            <a:endParaRPr lang="zh-CN" altLang="en-US"/>
+          </a:p>
+          <a:p>
+            <a:r>
+              <a:rPr lang="en-US" altLang="zh-CN"/>
+              <a:t>-----------------------------------------------------------------------------------</a:t>
+            </a:r>
+            <a:endParaRPr lang="en-US" altLang="zh-CN"/>
+          </a:p>
+          <a:p>
+            <a:r>
+              <a:rPr lang="en-US" altLang="zh-CN"/>
+              <a:t>while </a:t>
+            </a:r>
+            <a:r>
+              <a:rPr lang="zh-CN" altLang="en-US"/>
+              <a:t>循环</a:t>
+            </a:r>
+            <a:endParaRPr lang="zh-CN" altLang="en-US"/>
+          </a:p>
+          <a:p>
+            <a:r>
+              <a:rPr lang="zh-CN" altLang="en-US"/>
+              <a:t>模拟推送函数；</a:t>
+            </a:r>
+            <a:endParaRPr lang="zh-CN" altLang="en-US"/>
+          </a:p>
+          <a:p>
+            <a:r>
+              <a:rPr lang="zh-CN" altLang="en-US"/>
+              <a:t>推送函数：针对设定的投资标的，当价格变化的时候，数据自动推送到本地计算机，并进行相应的运算，以确定是否触发特定条件，</a:t>
+            </a:r>
+            <a:endParaRPr lang="zh-CN" altLang="en-US"/>
+          </a:p>
+          <a:p>
+            <a:r>
+              <a:rPr lang="en-US" altLang="zh-CN"/>
+              <a:t>e.g. </a:t>
+            </a:r>
+            <a:r>
+              <a:rPr lang="zh-CN" altLang="en-US"/>
+              <a:t>价格监控，自动化交易等；</a:t>
+            </a:r>
+            <a:endParaRPr lang="zh-CN" altLang="en-US"/>
+          </a:p>
+        </p:txBody>
+      </p:sp>
+      <p:pic>
+        <p:nvPicPr>
+          <p:cNvPr id="7" name="图片 6"/>
+          <p:cNvPicPr>
+            <a:picLocks noChangeAspect="1"/>
+          </p:cNvPicPr>
+          <p:nvPr/>
+        </p:nvPicPr>
+        <p:blipFill>
+          <a:blip r:embed="rId1"/>
+          <a:stretch>
+            <a:fillRect/>
+          </a:stretch>
+        </p:blipFill>
+        <p:spPr>
+          <a:xfrm>
+            <a:off x="6257925" y="993775"/>
+            <a:ext cx="2828290" cy="2171700"/>
+          </a:xfrm>
+          <a:prstGeom prst="rect">
+            <a:avLst/>
+          </a:prstGeom>
+        </p:spPr>
+      </p:pic>
+    </p:spTree>
+  </p:cSld>
+  <p:clrMapOvr>
+    <a:masterClrMapping/>
+  </p:clrMapOvr>
+  <mc:AlternateContent xmlns:mc="http://schemas.openxmlformats.org/markup-compatibility/2006">
+    <mc:Choice xmlns:p14="http://schemas.microsoft.com/office/powerpoint/2010/main" Requires="p14">
+      <p:transition spd="slow" p14:dur="2000"/>
+    </mc:Choice>
+    <mc:Fallback>
+      <p:transition spd="slow"/>
+    </mc:Fallback>
+  </mc:AlternateContent>
+  <p:timing>
+    <p:tnLst>
+      <p:par>
+        <p:cTn id="1" dur="indefinite" restart="never" nodeType="tmRoot"/>
+      </p:par>
+    </p:tnLst>
+  </p:timing>
+</p:sld>
+</file>
+
+<file path=ppt/slides/slide26.xml><?xml version="1.0" encoding="utf-8"?>
+<p:sld xmlns:a="http://schemas.openxmlformats.org/drawingml/2006/main" xmlns:r="http://schemas.openxmlformats.org/officeDocument/2006/relationships" xmlns:p="http://schemas.openxmlformats.org/presentationml/2006/main">
+  <p:cSld>
+    <p:spTree>
+      <p:nvGrpSpPr>
+        <p:cNvPr id="1" name=""/>
+        <p:cNvGrpSpPr/>
+        <p:nvPr/>
+      </p:nvGrpSpPr>
+      <p:grpSpPr>
+        <a:xfrm>
+          <a:off x="0" y="0"/>
+          <a:ext cx="0" cy="0"/>
+          <a:chOff x="0" y="0"/>
+          <a:chExt cx="0" cy="0"/>
+        </a:xfrm>
+      </p:grpSpPr>
+      <p:sp>
+        <p:nvSpPr>
+          <p:cNvPr id="2" name="标题 1"/>
+          <p:cNvSpPr>
+            <a:spLocks noGrp="1"/>
+          </p:cNvSpPr>
+          <p:nvPr>
+            <p:ph type="title"/>
+          </p:nvPr>
+        </p:nvSpPr>
+        <p:spPr>
+          <a:xfrm>
+            <a:off x="107315" y="0"/>
+            <a:ext cx="7773035" cy="762000"/>
+          </a:xfrm>
+        </p:spPr>
+        <p:txBody>
+          <a:bodyPr/>
+          <a:lstStyle/>
+          <a:p>
+            <a:r>
+              <a:rPr lang="en-US" altLang="zh-CN" dirty="0" smtClean="0"/>
+              <a:t>2.2  </a:t>
+            </a:r>
+            <a:r>
+              <a:rPr lang="zh-CN" altLang="en-US">
+                <a:sym typeface="+mn-ea"/>
+              </a:rPr>
+              <a:t>数据</a:t>
+            </a:r>
+            <a:r>
+              <a:rPr lang="en-US" altLang="zh-CN">
+                <a:sym typeface="+mn-ea"/>
+              </a:rPr>
+              <a:t>K</a:t>
+            </a:r>
+            <a:r>
+              <a:rPr lang="zh-CN" altLang="en-US">
+                <a:sym typeface="+mn-ea"/>
+              </a:rPr>
+              <a:t>线可视化</a:t>
+            </a:r>
+            <a:r>
+              <a:rPr lang="en-US" altLang="zh-CN">
+                <a:sym typeface="+mn-ea"/>
+              </a:rPr>
+              <a:t>: matplotlib.finance</a:t>
+            </a:r>
+            <a:endParaRPr lang="en-US" altLang="zh-CN" dirty="0" smtClean="0"/>
+          </a:p>
+        </p:txBody>
+      </p:sp>
+    </p:spTree>
+  </p:cSld>
+  <p:clrMapOvr>
+    <a:masterClrMapping/>
+  </p:clrMapOvr>
+  <mc:AlternateContent xmlns:mc="http://schemas.openxmlformats.org/markup-compatibility/2006">
+    <mc:Choice xmlns:p14="http://schemas.microsoft.com/office/powerpoint/2010/main" Requires="p14">
+      <p:transition spd="slow" p14:dur="2000"/>
+    </mc:Choice>
+    <mc:Fallback>
+      <p:transition spd="slow"/>
+    </mc:Fallback>
+  </mc:AlternateContent>
+  <p:timing>
+    <p:tnLst>
+      <p:par>
+        <p:cTn id="1" dur="indefinite" restart="never" nodeType="tmRoot"/>
+      </p:par>
+    </p:tnLst>
+  </p:timing>
+</p:sld>
+</file>
+
+<file path=ppt/slides/slide27.xml><?xml version="1.0" encoding="utf-8"?>
 <p:sld xmlns:a="http://schemas.openxmlformats.org/drawingml/2006/main" xmlns:r="http://schemas.openxmlformats.org/officeDocument/2006/relationships" xmlns:p="http://schemas.openxmlformats.org/presentationml/2006/main">
   <p:cSld>
     <p:spTree>
